--- a/SERTP2.pptx
+++ b/SERTP2.pptx
@@ -7,6 +7,17 @@
   <p:sldIdLst>
     <p:sldId id="256" r:id="rId2"/>
     <p:sldId id="257" r:id="rId3"/>
+    <p:sldId id="258" r:id="rId4"/>
+    <p:sldId id="259" r:id="rId5"/>
+    <p:sldId id="260" r:id="rId6"/>
+    <p:sldId id="261" r:id="rId7"/>
+    <p:sldId id="268" r:id="rId8"/>
+    <p:sldId id="262" r:id="rId9"/>
+    <p:sldId id="263" r:id="rId10"/>
+    <p:sldId id="265" r:id="rId11"/>
+    <p:sldId id="264" r:id="rId12"/>
+    <p:sldId id="266" r:id="rId13"/>
+    <p:sldId id="267" r:id="rId14"/>
   </p:sldIdLst>
   <p:sldSz cx="9144000" cy="6858000" type="screen4x3"/>
   <p:notesSz cx="6858000" cy="9144000"/>
@@ -167,7 +178,7 @@
           <a:p>
             <a:fld id="{AA309A6D-C09C-4548-B29A-6CF363A7E532}" type="datetimeFigureOut">
               <a:rPr lang="fr-FR" smtClean="0"/>
-              <a:t>23/10/2015</a:t>
+              <a:t>29/10/2015</a:t>
             </a:fld>
             <a:endParaRPr lang="fr-BE"/>
           </a:p>
@@ -483,7 +494,7 @@
           <a:p>
             <a:fld id="{AA309A6D-C09C-4548-B29A-6CF363A7E532}" type="datetimeFigureOut">
               <a:rPr lang="fr-FR" smtClean="0"/>
-              <a:t>23/10/2015</a:t>
+              <a:t>29/10/2015</a:t>
             </a:fld>
             <a:endParaRPr lang="fr-BE"/>
           </a:p>
@@ -658,7 +669,7 @@
           <a:p>
             <a:fld id="{AA309A6D-C09C-4548-B29A-6CF363A7E532}" type="datetimeFigureOut">
               <a:rPr lang="fr-FR" smtClean="0"/>
-              <a:t>23/10/2015</a:t>
+              <a:t>29/10/2015</a:t>
             </a:fld>
             <a:endParaRPr lang="fr-BE"/>
           </a:p>
@@ -776,7 +787,7 @@
           <a:p>
             <a:fld id="{AA309A6D-C09C-4548-B29A-6CF363A7E532}" type="datetimeFigureOut">
               <a:rPr lang="fr-FR" smtClean="0"/>
-              <a:t>23/10/2015</a:t>
+              <a:t>29/10/2015</a:t>
             </a:fld>
             <a:endParaRPr lang="fr-BE"/>
           </a:p>
@@ -1074,7 +1085,7 @@
           <a:p>
             <a:fld id="{AA309A6D-C09C-4548-B29A-6CF363A7E532}" type="datetimeFigureOut">
               <a:rPr lang="fr-FR" smtClean="0"/>
-              <a:t>23/10/2015</a:t>
+              <a:t>29/10/2015</a:t>
             </a:fld>
             <a:endParaRPr lang="fr-BE"/>
           </a:p>
@@ -1367,7 +1378,7 @@
           <a:p>
             <a:fld id="{AA309A6D-C09C-4548-B29A-6CF363A7E532}" type="datetimeFigureOut">
               <a:rPr lang="fr-FR" smtClean="0"/>
-              <a:t>23/10/2015</a:t>
+              <a:t>29/10/2015</a:t>
             </a:fld>
             <a:endParaRPr lang="fr-BE"/>
           </a:p>
@@ -1795,7 +1806,7 @@
           <a:p>
             <a:fld id="{AA309A6D-C09C-4548-B29A-6CF363A7E532}" type="datetimeFigureOut">
               <a:rPr lang="fr-FR" smtClean="0"/>
-              <a:t>23/10/2015</a:t>
+              <a:t>29/10/2015</a:t>
             </a:fld>
             <a:endParaRPr lang="fr-BE"/>
           </a:p>
@@ -1913,7 +1924,7 @@
           <a:p>
             <a:fld id="{AA309A6D-C09C-4548-B29A-6CF363A7E532}" type="datetimeFigureOut">
               <a:rPr lang="fr-FR" smtClean="0"/>
-              <a:t>23/10/2015</a:t>
+              <a:t>29/10/2015</a:t>
             </a:fld>
             <a:endParaRPr lang="fr-BE"/>
           </a:p>
@@ -2003,7 +2014,7 @@
           <a:p>
             <a:fld id="{AA309A6D-C09C-4548-B29A-6CF363A7E532}" type="datetimeFigureOut">
               <a:rPr lang="fr-FR" smtClean="0"/>
-              <a:t>23/10/2015</a:t>
+              <a:t>29/10/2015</a:t>
             </a:fld>
             <a:endParaRPr lang="fr-BE"/>
           </a:p>
@@ -2253,7 +2264,7 @@
           <a:p>
             <a:fld id="{AA309A6D-C09C-4548-B29A-6CF363A7E532}" type="datetimeFigureOut">
               <a:rPr lang="fr-FR" smtClean="0"/>
-              <a:t>23/10/2015</a:t>
+              <a:t>29/10/2015</a:t>
             </a:fld>
             <a:endParaRPr lang="fr-BE"/>
           </a:p>
@@ -2769,7 +2780,7 @@
           <a:p>
             <a:fld id="{AA309A6D-C09C-4548-B29A-6CF363A7E532}" type="datetimeFigureOut">
               <a:rPr lang="fr-FR" smtClean="0"/>
-              <a:t>23/10/2015</a:t>
+              <a:t>29/10/2015</a:t>
             </a:fld>
             <a:endParaRPr lang="fr-BE"/>
           </a:p>
@@ -2999,7 +3010,7 @@
           <a:p>
             <a:fld id="{AA309A6D-C09C-4548-B29A-6CF363A7E532}" type="datetimeFigureOut">
               <a:rPr lang="fr-FR" smtClean="0"/>
-              <a:t>23/10/2015</a:t>
+              <a:t>29/10/2015</a:t>
             </a:fld>
             <a:endParaRPr lang="fr-BE"/>
           </a:p>
@@ -3580,6 +3591,344 @@
 </p:sld>
 </file>
 
+<file path=ppt/slides/slide10.xml><?xml version="1.0" encoding="utf-8"?>
+<p:sld xmlns:a="http://schemas.openxmlformats.org/drawingml/2006/main" xmlns:r="http://schemas.openxmlformats.org/officeDocument/2006/relationships" xmlns:p="http://schemas.openxmlformats.org/presentationml/2006/main">
+  <p:cSld>
+    <p:spTree>
+      <p:nvGrpSpPr>
+        <p:cNvPr id="1" name=""/>
+        <p:cNvGrpSpPr/>
+        <p:nvPr/>
+      </p:nvGrpSpPr>
+      <p:grpSpPr>
+        <a:xfrm>
+          <a:off x="0" y="0"/>
+          <a:ext cx="0" cy="0"/>
+          <a:chOff x="0" y="0"/>
+          <a:chExt cx="0" cy="0"/>
+        </a:xfrm>
+      </p:grpSpPr>
+      <p:sp>
+        <p:nvSpPr>
+          <p:cNvPr id="2" name="Titre 1"/>
+          <p:cNvSpPr>
+            <a:spLocks noGrp="1"/>
+          </p:cNvSpPr>
+          <p:nvPr>
+            <p:ph type="title"/>
+          </p:nvPr>
+        </p:nvSpPr>
+        <p:spPr/>
+        <p:txBody>
+          <a:bodyPr/>
+          <a:lstStyle/>
+          <a:p>
+            <a:pPr algn="ctr"/>
+            <a:r>
+              <a:rPr lang="fr-CA" dirty="0" smtClean="0"/>
+              <a:t>Programme chip8</a:t>
+            </a:r>
+            <a:endParaRPr lang="fr-CA" dirty="0"/>
+          </a:p>
+        </p:txBody>
+      </p:sp>
+      <p:sp>
+        <p:nvSpPr>
+          <p:cNvPr id="3" name="Espace réservé du contenu 2"/>
+          <p:cNvSpPr>
+            <a:spLocks noGrp="1"/>
+          </p:cNvSpPr>
+          <p:nvPr>
+            <p:ph sz="quarter" idx="13"/>
+          </p:nvPr>
+        </p:nvSpPr>
+        <p:spPr/>
+        <p:txBody>
+          <a:bodyPr/>
+          <a:lstStyle/>
+          <a:p>
+            <a:endParaRPr lang="fr-CA"/>
+          </a:p>
+        </p:txBody>
+      </p:sp>
+    </p:spTree>
+    <p:extLst>
+      <p:ext uri="{BB962C8B-B14F-4D97-AF65-F5344CB8AC3E}">
+        <p14:creationId xmlns:p14="http://schemas.microsoft.com/office/powerpoint/2010/main" val="935321272"/>
+      </p:ext>
+    </p:extLst>
+  </p:cSld>
+  <p:clrMapOvr>
+    <a:masterClrMapping/>
+  </p:clrMapOvr>
+</p:sld>
+</file>
+
+<file path=ppt/slides/slide11.xml><?xml version="1.0" encoding="utf-8"?>
+<p:sld xmlns:a="http://schemas.openxmlformats.org/drawingml/2006/main" xmlns:r="http://schemas.openxmlformats.org/officeDocument/2006/relationships" xmlns:p="http://schemas.openxmlformats.org/presentationml/2006/main">
+  <p:cSld>
+    <p:spTree>
+      <p:nvGrpSpPr>
+        <p:cNvPr id="1" name=""/>
+        <p:cNvGrpSpPr/>
+        <p:nvPr/>
+      </p:nvGrpSpPr>
+      <p:grpSpPr>
+        <a:xfrm>
+          <a:off x="0" y="0"/>
+          <a:ext cx="0" cy="0"/>
+          <a:chOff x="0" y="0"/>
+          <a:chExt cx="0" cy="0"/>
+        </a:xfrm>
+      </p:grpSpPr>
+      <p:sp>
+        <p:nvSpPr>
+          <p:cNvPr id="2" name="Titre 1"/>
+          <p:cNvSpPr>
+            <a:spLocks noGrp="1"/>
+          </p:cNvSpPr>
+          <p:nvPr>
+            <p:ph type="title"/>
+          </p:nvPr>
+        </p:nvSpPr>
+        <p:spPr/>
+        <p:txBody>
+          <a:bodyPr/>
+          <a:lstStyle/>
+          <a:p>
+            <a:pPr algn="ctr"/>
+            <a:r>
+              <a:rPr lang="fr-CA" dirty="0" smtClean="0"/>
+              <a:t>Les registres</a:t>
+            </a:r>
+            <a:endParaRPr lang="fr-CA" dirty="0"/>
+          </a:p>
+        </p:txBody>
+      </p:sp>
+      <p:sp>
+        <p:nvSpPr>
+          <p:cNvPr id="3" name="Espace réservé du contenu 2"/>
+          <p:cNvSpPr>
+            <a:spLocks noGrp="1"/>
+          </p:cNvSpPr>
+          <p:nvPr>
+            <p:ph sz="quarter" idx="13"/>
+          </p:nvPr>
+        </p:nvSpPr>
+        <p:spPr/>
+        <p:txBody>
+          <a:bodyPr/>
+          <a:lstStyle/>
+          <a:p>
+            <a:endParaRPr lang="fr-CA"/>
+          </a:p>
+        </p:txBody>
+      </p:sp>
+    </p:spTree>
+    <p:extLst>
+      <p:ext uri="{BB962C8B-B14F-4D97-AF65-F5344CB8AC3E}">
+        <p14:creationId xmlns:p14="http://schemas.microsoft.com/office/powerpoint/2010/main" val="3714012403"/>
+      </p:ext>
+    </p:extLst>
+  </p:cSld>
+  <p:clrMapOvr>
+    <a:masterClrMapping/>
+  </p:clrMapOvr>
+</p:sld>
+</file>
+
+<file path=ppt/slides/slide12.xml><?xml version="1.0" encoding="utf-8"?>
+<p:sld xmlns:a="http://schemas.openxmlformats.org/drawingml/2006/main" xmlns:r="http://schemas.openxmlformats.org/officeDocument/2006/relationships" xmlns:p="http://schemas.openxmlformats.org/presentationml/2006/main">
+  <p:cSld>
+    <p:spTree>
+      <p:nvGrpSpPr>
+        <p:cNvPr id="1" name=""/>
+        <p:cNvGrpSpPr/>
+        <p:nvPr/>
+      </p:nvGrpSpPr>
+      <p:grpSpPr>
+        <a:xfrm>
+          <a:off x="0" y="0"/>
+          <a:ext cx="0" cy="0"/>
+          <a:chOff x="0" y="0"/>
+          <a:chExt cx="0" cy="0"/>
+        </a:xfrm>
+      </p:grpSpPr>
+      <p:sp>
+        <p:nvSpPr>
+          <p:cNvPr id="2" name="Titre 1"/>
+          <p:cNvSpPr>
+            <a:spLocks noGrp="1"/>
+          </p:cNvSpPr>
+          <p:nvPr>
+            <p:ph type="title"/>
+          </p:nvPr>
+        </p:nvSpPr>
+        <p:spPr/>
+        <p:txBody>
+          <a:bodyPr/>
+          <a:lstStyle/>
+          <a:p>
+            <a:pPr algn="ctr"/>
+            <a:r>
+              <a:rPr lang="fr-CA" dirty="0" smtClean="0"/>
+              <a:t>Assembleur</a:t>
+            </a:r>
+            <a:endParaRPr lang="fr-CA" dirty="0"/>
+          </a:p>
+        </p:txBody>
+      </p:sp>
+      <p:sp>
+        <p:nvSpPr>
+          <p:cNvPr id="3" name="Espace réservé du contenu 2"/>
+          <p:cNvSpPr>
+            <a:spLocks noGrp="1"/>
+          </p:cNvSpPr>
+          <p:nvPr>
+            <p:ph sz="quarter" idx="13"/>
+          </p:nvPr>
+        </p:nvSpPr>
+        <p:spPr/>
+        <p:txBody>
+          <a:bodyPr/>
+          <a:lstStyle/>
+          <a:p>
+            <a:endParaRPr lang="fr-CA"/>
+          </a:p>
+        </p:txBody>
+      </p:sp>
+    </p:spTree>
+    <p:extLst>
+      <p:ext uri="{BB962C8B-B14F-4D97-AF65-F5344CB8AC3E}">
+        <p14:creationId xmlns:p14="http://schemas.microsoft.com/office/powerpoint/2010/main" val="68766984"/>
+      </p:ext>
+    </p:extLst>
+  </p:cSld>
+  <p:clrMapOvr>
+    <a:masterClrMapping/>
+  </p:clrMapOvr>
+</p:sld>
+</file>
+
+<file path=ppt/slides/slide13.xml><?xml version="1.0" encoding="utf-8"?>
+<p:sld xmlns:a="http://schemas.openxmlformats.org/drawingml/2006/main" xmlns:r="http://schemas.openxmlformats.org/officeDocument/2006/relationships" xmlns:p="http://schemas.openxmlformats.org/presentationml/2006/main">
+  <p:cSld>
+    <p:spTree>
+      <p:nvGrpSpPr>
+        <p:cNvPr id="1" name=""/>
+        <p:cNvGrpSpPr/>
+        <p:nvPr/>
+      </p:nvGrpSpPr>
+      <p:grpSpPr>
+        <a:xfrm>
+          <a:off x="0" y="0"/>
+          <a:ext cx="0" cy="0"/>
+          <a:chOff x="0" y="0"/>
+          <a:chExt cx="0" cy="0"/>
+        </a:xfrm>
+      </p:grpSpPr>
+      <p:sp>
+        <p:nvSpPr>
+          <p:cNvPr id="2" name="Titre 1"/>
+          <p:cNvSpPr>
+            <a:spLocks noGrp="1"/>
+          </p:cNvSpPr>
+          <p:nvPr>
+            <p:ph type="title"/>
+          </p:nvPr>
+        </p:nvSpPr>
+        <p:spPr/>
+        <p:txBody>
+          <a:bodyPr/>
+          <a:lstStyle/>
+          <a:p>
+            <a:pPr algn="ctr"/>
+            <a:r>
+              <a:rPr lang="fr-CA" dirty="0" smtClean="0"/>
+              <a:t>Désassembleur</a:t>
+            </a:r>
+            <a:endParaRPr lang="fr-CA" dirty="0"/>
+          </a:p>
+        </p:txBody>
+      </p:sp>
+      <p:sp>
+        <p:nvSpPr>
+          <p:cNvPr id="3" name="Espace réservé du contenu 2"/>
+          <p:cNvSpPr>
+            <a:spLocks noGrp="1"/>
+          </p:cNvSpPr>
+          <p:nvPr>
+            <p:ph sz="quarter" idx="13"/>
+          </p:nvPr>
+        </p:nvSpPr>
+        <p:spPr/>
+        <p:txBody>
+          <a:bodyPr>
+            <a:normAutofit/>
+          </a:bodyPr>
+          <a:lstStyle/>
+          <a:p>
+            <a:r>
+              <a:rPr lang="fr-CA" sz="2000" dirty="0" smtClean="0"/>
+              <a:t>Sert à lire les opcodes et les transformer</a:t>
+            </a:r>
+          </a:p>
+          <a:p>
+            <a:r>
+              <a:rPr lang="fr-CA" sz="2000" dirty="0" smtClean="0"/>
+              <a:t>Les instructions sont choisies d’avance</a:t>
+            </a:r>
+          </a:p>
+          <a:p>
+            <a:pPr lvl="1"/>
+            <a:r>
+              <a:rPr lang="fr-CA" sz="2000" dirty="0" smtClean="0"/>
+              <a:t>0x00E0 -&gt; </a:t>
+            </a:r>
+            <a:r>
+              <a:rPr lang="fr-CA" sz="2000" dirty="0" err="1" smtClean="0"/>
+              <a:t>clear</a:t>
+            </a:r>
+            <a:r>
+              <a:rPr lang="fr-CA" sz="2000" dirty="0" smtClean="0"/>
+              <a:t> ou </a:t>
+            </a:r>
+            <a:r>
+              <a:rPr lang="fr-CA" sz="2000" dirty="0" err="1" smtClean="0"/>
+              <a:t>clr</a:t>
+            </a:r>
+            <a:r>
+              <a:rPr lang="fr-CA" sz="2000" dirty="0" smtClean="0"/>
+              <a:t>…</a:t>
+            </a:r>
+          </a:p>
+          <a:p>
+            <a:r>
+              <a:rPr lang="fr-CA" sz="2000" dirty="0" smtClean="0"/>
+              <a:t>Lisibilité</a:t>
+            </a:r>
+          </a:p>
+          <a:p>
+            <a:r>
+              <a:rPr lang="fr-CA" sz="2000" dirty="0" smtClean="0"/>
+              <a:t>Fichier texte</a:t>
+            </a:r>
+          </a:p>
+        </p:txBody>
+      </p:sp>
+    </p:spTree>
+    <p:extLst>
+      <p:ext uri="{BB962C8B-B14F-4D97-AF65-F5344CB8AC3E}">
+        <p14:creationId xmlns:p14="http://schemas.microsoft.com/office/powerpoint/2010/main" val="4227717045"/>
+      </p:ext>
+    </p:extLst>
+  </p:cSld>
+  <p:clrMapOvr>
+    <a:masterClrMapping/>
+  </p:clrMapOvr>
+</p:sld>
+</file>
+
 <file path=ppt/slides/slide2.xml><?xml version="1.0" encoding="utf-8"?>
 <p:sld xmlns:a="http://schemas.openxmlformats.org/drawingml/2006/main" xmlns:r="http://schemas.openxmlformats.org/officeDocument/2006/relationships" xmlns:p="http://schemas.openxmlformats.org/presentationml/2006/main">
   <p:cSld>
@@ -3632,7 +3981,9 @@
         </p:nvSpPr>
         <p:spPr/>
         <p:txBody>
-          <a:bodyPr/>
+          <a:bodyPr>
+            <a:normAutofit/>
+          </a:bodyPr>
           <a:lstStyle/>
           <a:p>
             <a:pPr>
@@ -3661,13 +4012,8 @@
             </a:pPr>
             <a:r>
               <a:rPr lang="fr-CA" dirty="0" smtClean="0"/>
-              <a:t>Fonctionnement </a:t>
-            </a:r>
-            <a:r>
-              <a:rPr lang="fr-CA" smtClean="0"/>
-              <a:t>d’un émulateur</a:t>
-            </a:r>
-            <a:endParaRPr lang="fr-CA" dirty="0" smtClean="0"/>
+              <a:t>Fonctionnement d’un émulateur</a:t>
+            </a:r>
           </a:p>
           <a:p>
             <a:pPr>
@@ -3696,7 +4042,11 @@
             </a:pPr>
             <a:r>
               <a:rPr lang="fr-CA" dirty="0" smtClean="0"/>
-              <a:t>Fonctionnement d’une machine virtuelle chip8</a:t>
+              <a:t>Fonctionnement d’une machine virtuelle </a:t>
+            </a:r>
+            <a:r>
+              <a:rPr lang="fr-CA" dirty="0" smtClean="0"/>
+              <a:t>chip8</a:t>
             </a:r>
           </a:p>
           <a:p>
@@ -3705,9 +4055,14 @@
               <a:buAutoNum type="arabicPeriod"/>
             </a:pPr>
             <a:r>
+              <a:rPr lang="fr-CA" dirty="0"/>
+              <a:t>Programme </a:t>
+            </a:r>
+            <a:r>
               <a:rPr lang="fr-CA" dirty="0" smtClean="0"/>
-              <a:t>Les registres</a:t>
-            </a:r>
+              <a:t>chip8</a:t>
+            </a:r>
+            <a:endParaRPr lang="fr-CA" dirty="0" smtClean="0"/>
           </a:p>
           <a:p>
             <a:pPr>
@@ -3716,8 +4071,29 @@
             </a:pPr>
             <a:r>
               <a:rPr lang="fr-CA" dirty="0" smtClean="0"/>
-              <a:t>Programme chip8</a:t>
-            </a:r>
+              <a:t>Les registres</a:t>
+            </a:r>
+          </a:p>
+          <a:p>
+            <a:pPr>
+              <a:buFont typeface="+mj-lt"/>
+              <a:buAutoNum type="arabicPeriod"/>
+            </a:pPr>
+            <a:r>
+              <a:rPr lang="fr-CA" dirty="0" smtClean="0"/>
+              <a:t>Assembleur</a:t>
+            </a:r>
+          </a:p>
+          <a:p>
+            <a:pPr>
+              <a:buFont typeface="+mj-lt"/>
+              <a:buAutoNum type="arabicPeriod"/>
+            </a:pPr>
+            <a:r>
+              <a:rPr lang="fr-CA" dirty="0" smtClean="0"/>
+              <a:t>Désassembleur</a:t>
+            </a:r>
+            <a:endParaRPr lang="fr-CA" dirty="0" smtClean="0"/>
           </a:p>
           <a:p>
             <a:pPr>
@@ -3732,6 +4108,599 @@
     <p:extLst>
       <p:ext uri="{BB962C8B-B14F-4D97-AF65-F5344CB8AC3E}">
         <p14:creationId xmlns:p14="http://schemas.microsoft.com/office/powerpoint/2010/main" val="2097159486"/>
+      </p:ext>
+    </p:extLst>
+  </p:cSld>
+  <p:clrMapOvr>
+    <a:masterClrMapping/>
+  </p:clrMapOvr>
+</p:sld>
+</file>
+
+<file path=ppt/slides/slide3.xml><?xml version="1.0" encoding="utf-8"?>
+<p:sld xmlns:a="http://schemas.openxmlformats.org/drawingml/2006/main" xmlns:r="http://schemas.openxmlformats.org/officeDocument/2006/relationships" xmlns:p="http://schemas.openxmlformats.org/presentationml/2006/main">
+  <p:cSld>
+    <p:spTree>
+      <p:nvGrpSpPr>
+        <p:cNvPr id="1" name=""/>
+        <p:cNvGrpSpPr/>
+        <p:nvPr/>
+      </p:nvGrpSpPr>
+      <p:grpSpPr>
+        <a:xfrm>
+          <a:off x="0" y="0"/>
+          <a:ext cx="0" cy="0"/>
+          <a:chOff x="0" y="0"/>
+          <a:chExt cx="0" cy="0"/>
+        </a:xfrm>
+      </p:grpSpPr>
+      <p:sp>
+        <p:nvSpPr>
+          <p:cNvPr id="2" name="Titre 1"/>
+          <p:cNvSpPr>
+            <a:spLocks noGrp="1"/>
+          </p:cNvSpPr>
+          <p:nvPr>
+            <p:ph type="title"/>
+          </p:nvPr>
+        </p:nvSpPr>
+        <p:spPr/>
+        <p:txBody>
+          <a:bodyPr/>
+          <a:lstStyle/>
+          <a:p>
+            <a:pPr algn="ctr"/>
+            <a:r>
+              <a:rPr lang="fr-CA" dirty="0" smtClean="0"/>
+              <a:t>Histoire de la chip8</a:t>
+            </a:r>
+            <a:endParaRPr lang="fr-CA" dirty="0"/>
+          </a:p>
+        </p:txBody>
+      </p:sp>
+      <p:sp>
+        <p:nvSpPr>
+          <p:cNvPr id="3" name="Espace réservé du contenu 2"/>
+          <p:cNvSpPr>
+            <a:spLocks noGrp="1"/>
+          </p:cNvSpPr>
+          <p:nvPr>
+            <p:ph sz="quarter" idx="13"/>
+          </p:nvPr>
+        </p:nvSpPr>
+        <p:spPr/>
+        <p:txBody>
+          <a:bodyPr/>
+          <a:lstStyle/>
+          <a:p>
+            <a:endParaRPr lang="fr-CA" dirty="0"/>
+          </a:p>
+        </p:txBody>
+      </p:sp>
+    </p:spTree>
+    <p:extLst>
+      <p:ext uri="{BB962C8B-B14F-4D97-AF65-F5344CB8AC3E}">
+        <p14:creationId xmlns:p14="http://schemas.microsoft.com/office/powerpoint/2010/main" val="3851278877"/>
+      </p:ext>
+    </p:extLst>
+  </p:cSld>
+  <p:clrMapOvr>
+    <a:masterClrMapping/>
+  </p:clrMapOvr>
+</p:sld>
+</file>
+
+<file path=ppt/slides/slide4.xml><?xml version="1.0" encoding="utf-8"?>
+<p:sld xmlns:a="http://schemas.openxmlformats.org/drawingml/2006/main" xmlns:r="http://schemas.openxmlformats.org/officeDocument/2006/relationships" xmlns:p="http://schemas.openxmlformats.org/presentationml/2006/main">
+  <p:cSld>
+    <p:spTree>
+      <p:nvGrpSpPr>
+        <p:cNvPr id="1" name=""/>
+        <p:cNvGrpSpPr/>
+        <p:nvPr/>
+      </p:nvGrpSpPr>
+      <p:grpSpPr>
+        <a:xfrm>
+          <a:off x="0" y="0"/>
+          <a:ext cx="0" cy="0"/>
+          <a:chOff x="0" y="0"/>
+          <a:chExt cx="0" cy="0"/>
+        </a:xfrm>
+      </p:grpSpPr>
+      <p:sp>
+        <p:nvSpPr>
+          <p:cNvPr id="2" name="Titre 1"/>
+          <p:cNvSpPr>
+            <a:spLocks noGrp="1"/>
+          </p:cNvSpPr>
+          <p:nvPr>
+            <p:ph type="title"/>
+          </p:nvPr>
+        </p:nvSpPr>
+        <p:spPr/>
+        <p:txBody>
+          <a:bodyPr/>
+          <a:lstStyle/>
+          <a:p>
+            <a:pPr algn="ctr"/>
+            <a:r>
+              <a:rPr lang="fr-CA" dirty="0" smtClean="0"/>
+              <a:t>Qu’est-ce qu’un émulateur</a:t>
+            </a:r>
+            <a:endParaRPr lang="fr-CA" dirty="0"/>
+          </a:p>
+        </p:txBody>
+      </p:sp>
+      <p:sp>
+        <p:nvSpPr>
+          <p:cNvPr id="3" name="Espace réservé du contenu 2"/>
+          <p:cNvSpPr>
+            <a:spLocks noGrp="1"/>
+          </p:cNvSpPr>
+          <p:nvPr>
+            <p:ph sz="quarter" idx="13"/>
+          </p:nvPr>
+        </p:nvSpPr>
+        <p:spPr/>
+        <p:txBody>
+          <a:bodyPr/>
+          <a:lstStyle/>
+          <a:p>
+            <a:endParaRPr lang="fr-CA"/>
+          </a:p>
+        </p:txBody>
+      </p:sp>
+    </p:spTree>
+    <p:extLst>
+      <p:ext uri="{BB962C8B-B14F-4D97-AF65-F5344CB8AC3E}">
+        <p14:creationId xmlns:p14="http://schemas.microsoft.com/office/powerpoint/2010/main" val="3955672687"/>
+      </p:ext>
+    </p:extLst>
+  </p:cSld>
+  <p:clrMapOvr>
+    <a:masterClrMapping/>
+  </p:clrMapOvr>
+</p:sld>
+</file>
+
+<file path=ppt/slides/slide5.xml><?xml version="1.0" encoding="utf-8"?>
+<p:sld xmlns:a="http://schemas.openxmlformats.org/drawingml/2006/main" xmlns:r="http://schemas.openxmlformats.org/officeDocument/2006/relationships" xmlns:p="http://schemas.openxmlformats.org/presentationml/2006/main">
+  <p:cSld>
+    <p:spTree>
+      <p:nvGrpSpPr>
+        <p:cNvPr id="1" name=""/>
+        <p:cNvGrpSpPr/>
+        <p:nvPr/>
+      </p:nvGrpSpPr>
+      <p:grpSpPr>
+        <a:xfrm>
+          <a:off x="0" y="0"/>
+          <a:ext cx="0" cy="0"/>
+          <a:chOff x="0" y="0"/>
+          <a:chExt cx="0" cy="0"/>
+        </a:xfrm>
+      </p:grpSpPr>
+      <p:sp>
+        <p:nvSpPr>
+          <p:cNvPr id="2" name="Titre 1"/>
+          <p:cNvSpPr>
+            <a:spLocks noGrp="1"/>
+          </p:cNvSpPr>
+          <p:nvPr>
+            <p:ph type="title"/>
+          </p:nvPr>
+        </p:nvSpPr>
+        <p:spPr/>
+        <p:txBody>
+          <a:bodyPr/>
+          <a:lstStyle/>
+          <a:p>
+            <a:pPr algn="ctr"/>
+            <a:r>
+              <a:rPr lang="fr-CA" dirty="0" smtClean="0"/>
+              <a:t>Fonctionnement d’un émulateur</a:t>
+            </a:r>
+            <a:endParaRPr lang="fr-CA" dirty="0"/>
+          </a:p>
+        </p:txBody>
+      </p:sp>
+      <p:sp>
+        <p:nvSpPr>
+          <p:cNvPr id="3" name="Espace réservé du contenu 2"/>
+          <p:cNvSpPr>
+            <a:spLocks noGrp="1"/>
+          </p:cNvSpPr>
+          <p:nvPr>
+            <p:ph sz="quarter" idx="13"/>
+          </p:nvPr>
+        </p:nvSpPr>
+        <p:spPr/>
+        <p:txBody>
+          <a:bodyPr/>
+          <a:lstStyle/>
+          <a:p>
+            <a:endParaRPr lang="fr-CA"/>
+          </a:p>
+        </p:txBody>
+      </p:sp>
+    </p:spTree>
+    <p:extLst>
+      <p:ext uri="{BB962C8B-B14F-4D97-AF65-F5344CB8AC3E}">
+        <p14:creationId xmlns:p14="http://schemas.microsoft.com/office/powerpoint/2010/main" val="1895071210"/>
+      </p:ext>
+    </p:extLst>
+  </p:cSld>
+  <p:clrMapOvr>
+    <a:masterClrMapping/>
+  </p:clrMapOvr>
+</p:sld>
+</file>
+
+<file path=ppt/slides/slide6.xml><?xml version="1.0" encoding="utf-8"?>
+<p:sld xmlns:a="http://schemas.openxmlformats.org/drawingml/2006/main" xmlns:r="http://schemas.openxmlformats.org/officeDocument/2006/relationships" xmlns:p="http://schemas.openxmlformats.org/presentationml/2006/main">
+  <p:cSld>
+    <p:spTree>
+      <p:nvGrpSpPr>
+        <p:cNvPr id="1" name=""/>
+        <p:cNvGrpSpPr/>
+        <p:nvPr/>
+      </p:nvGrpSpPr>
+      <p:grpSpPr>
+        <a:xfrm>
+          <a:off x="0" y="0"/>
+          <a:ext cx="0" cy="0"/>
+          <a:chOff x="0" y="0"/>
+          <a:chExt cx="0" cy="0"/>
+        </a:xfrm>
+      </p:grpSpPr>
+      <p:sp>
+        <p:nvSpPr>
+          <p:cNvPr id="2" name="Titre 1"/>
+          <p:cNvSpPr>
+            <a:spLocks noGrp="1"/>
+          </p:cNvSpPr>
+          <p:nvPr>
+            <p:ph type="title"/>
+          </p:nvPr>
+        </p:nvSpPr>
+        <p:spPr/>
+        <p:txBody>
+          <a:bodyPr/>
+          <a:lstStyle/>
+          <a:p>
+            <a:pPr algn="ctr"/>
+            <a:r>
+              <a:rPr lang="fr-CA" dirty="0" smtClean="0"/>
+              <a:t>Machine virtuelle</a:t>
+            </a:r>
+            <a:endParaRPr lang="fr-CA" dirty="0"/>
+          </a:p>
+        </p:txBody>
+      </p:sp>
+      <p:sp>
+        <p:nvSpPr>
+          <p:cNvPr id="3" name="Espace réservé du contenu 2"/>
+          <p:cNvSpPr>
+            <a:spLocks noGrp="1"/>
+          </p:cNvSpPr>
+          <p:nvPr>
+            <p:ph sz="quarter" idx="13"/>
+          </p:nvPr>
+        </p:nvSpPr>
+        <p:spPr/>
+        <p:txBody>
+          <a:bodyPr>
+            <a:normAutofit/>
+          </a:bodyPr>
+          <a:lstStyle/>
+          <a:p>
+            <a:r>
+              <a:rPr lang="fr-CA" sz="2000" dirty="0"/>
+              <a:t>En informatique, une machine virtuelle </a:t>
+            </a:r>
+            <a:r>
+              <a:rPr lang="fr-CA" sz="2000" dirty="0" smtClean="0"/>
+              <a:t>est </a:t>
+            </a:r>
+            <a:r>
+              <a:rPr lang="fr-CA" sz="2000" dirty="0"/>
+              <a:t>une illusion d'un appareil informatique créée par un logiciel d'émulation</a:t>
+            </a:r>
+            <a:r>
+              <a:rPr lang="fr-CA" sz="2000" dirty="0" smtClean="0"/>
+              <a:t>. (</a:t>
+            </a:r>
+            <a:r>
+              <a:rPr lang="fr-CA" sz="2000" dirty="0" err="1" smtClean="0"/>
+              <a:t>wikipédia</a:t>
+            </a:r>
+            <a:r>
+              <a:rPr lang="fr-CA" sz="2000" dirty="0" smtClean="0"/>
+              <a:t>)</a:t>
+            </a:r>
+          </a:p>
+          <a:p>
+            <a:r>
+              <a:rPr lang="fr-CA" sz="2000" dirty="0" smtClean="0"/>
+              <a:t>Ordinateur virtuel</a:t>
+            </a:r>
+          </a:p>
+          <a:p>
+            <a:r>
+              <a:rPr lang="fr-CA" sz="2000" dirty="0" smtClean="0"/>
+              <a:t>Utilise des ressources</a:t>
+            </a:r>
+          </a:p>
+          <a:p>
+            <a:r>
+              <a:rPr lang="fr-CA" sz="2000" dirty="0" smtClean="0"/>
+              <a:t>Portable</a:t>
+            </a:r>
+          </a:p>
+          <a:p>
+            <a:endParaRPr lang="fr-CA" sz="2000" dirty="0"/>
+          </a:p>
+        </p:txBody>
+      </p:sp>
+    </p:spTree>
+    <p:extLst>
+      <p:ext uri="{BB962C8B-B14F-4D97-AF65-F5344CB8AC3E}">
+        <p14:creationId xmlns:p14="http://schemas.microsoft.com/office/powerpoint/2010/main" val="1721054573"/>
+      </p:ext>
+    </p:extLst>
+  </p:cSld>
+  <p:clrMapOvr>
+    <a:masterClrMapping/>
+  </p:clrMapOvr>
+</p:sld>
+</file>
+
+<file path=ppt/slides/slide7.xml><?xml version="1.0" encoding="utf-8"?>
+<p:sld xmlns:a="http://schemas.openxmlformats.org/drawingml/2006/main" xmlns:r="http://schemas.openxmlformats.org/officeDocument/2006/relationships" xmlns:p="http://schemas.openxmlformats.org/presentationml/2006/main">
+  <p:cSld>
+    <p:spTree>
+      <p:nvGrpSpPr>
+        <p:cNvPr id="1" name=""/>
+        <p:cNvGrpSpPr/>
+        <p:nvPr/>
+      </p:nvGrpSpPr>
+      <p:grpSpPr>
+        <a:xfrm>
+          <a:off x="0" y="0"/>
+          <a:ext cx="0" cy="0"/>
+          <a:chOff x="0" y="0"/>
+          <a:chExt cx="0" cy="0"/>
+        </a:xfrm>
+      </p:grpSpPr>
+      <p:sp>
+        <p:nvSpPr>
+          <p:cNvPr id="2" name="Titre 1"/>
+          <p:cNvSpPr>
+            <a:spLocks noGrp="1"/>
+          </p:cNvSpPr>
+          <p:nvPr>
+            <p:ph type="title"/>
+          </p:nvPr>
+        </p:nvSpPr>
+        <p:spPr/>
+        <p:txBody>
+          <a:bodyPr/>
+          <a:lstStyle/>
+          <a:p>
+            <a:pPr algn="ctr"/>
+            <a:r>
+              <a:rPr lang="fr-CA" dirty="0" smtClean="0"/>
+              <a:t>Resource pool</a:t>
+            </a:r>
+            <a:endParaRPr lang="fr-CA" dirty="0"/>
+          </a:p>
+        </p:txBody>
+      </p:sp>
+      <p:sp>
+        <p:nvSpPr>
+          <p:cNvPr id="3" name="Espace réservé du contenu 2"/>
+          <p:cNvSpPr>
+            <a:spLocks noGrp="1"/>
+          </p:cNvSpPr>
+          <p:nvPr>
+            <p:ph sz="quarter" idx="13"/>
+          </p:nvPr>
+        </p:nvSpPr>
+        <p:spPr/>
+        <p:txBody>
+          <a:bodyPr>
+            <a:normAutofit/>
+          </a:bodyPr>
+          <a:lstStyle/>
+          <a:p>
+            <a:r>
+              <a:rPr lang="fr-CA" sz="2000" dirty="0" smtClean="0"/>
+              <a:t>Environnement grand système</a:t>
+            </a:r>
+          </a:p>
+          <a:p>
+            <a:r>
+              <a:rPr lang="fr-CA" sz="2000" dirty="0" smtClean="0"/>
+              <a:t>CPU et mémoire</a:t>
+            </a:r>
+          </a:p>
+          <a:p>
+            <a:r>
+              <a:rPr lang="fr-CA" sz="2000" dirty="0" smtClean="0"/>
+              <a:t>Host = pour un serveur</a:t>
+            </a:r>
+          </a:p>
+          <a:p>
+            <a:pPr lvl="1"/>
+            <a:r>
+              <a:rPr lang="fr-CA" sz="2000" dirty="0" smtClean="0"/>
+              <a:t>Représente toutes les ressources disponibles</a:t>
+            </a:r>
+          </a:p>
+          <a:p>
+            <a:r>
+              <a:rPr lang="fr-CA" sz="2000" dirty="0"/>
+              <a:t>Accessible pour un host ou un cluster</a:t>
+            </a:r>
+          </a:p>
+          <a:p>
+            <a:pPr marL="0" indent="0">
+              <a:buNone/>
+            </a:pPr>
+            <a:endParaRPr lang="fr-CA" sz="2000" dirty="0" smtClean="0"/>
+          </a:p>
+        </p:txBody>
+      </p:sp>
+    </p:spTree>
+    <p:extLst>
+      <p:ext uri="{BB962C8B-B14F-4D97-AF65-F5344CB8AC3E}">
+        <p14:creationId xmlns:p14="http://schemas.microsoft.com/office/powerpoint/2010/main" val="2398091531"/>
+      </p:ext>
+    </p:extLst>
+  </p:cSld>
+  <p:clrMapOvr>
+    <a:masterClrMapping/>
+  </p:clrMapOvr>
+</p:sld>
+</file>
+
+<file path=ppt/slides/slide8.xml><?xml version="1.0" encoding="utf-8"?>
+<p:sld xmlns:a="http://schemas.openxmlformats.org/drawingml/2006/main" xmlns:r="http://schemas.openxmlformats.org/officeDocument/2006/relationships" xmlns:p="http://schemas.openxmlformats.org/presentationml/2006/main">
+  <p:cSld>
+    <p:spTree>
+      <p:nvGrpSpPr>
+        <p:cNvPr id="1" name=""/>
+        <p:cNvGrpSpPr/>
+        <p:nvPr/>
+      </p:nvGrpSpPr>
+      <p:grpSpPr>
+        <a:xfrm>
+          <a:off x="0" y="0"/>
+          <a:ext cx="0" cy="0"/>
+          <a:chOff x="0" y="0"/>
+          <a:chExt cx="0" cy="0"/>
+        </a:xfrm>
+      </p:grpSpPr>
+      <p:sp>
+        <p:nvSpPr>
+          <p:cNvPr id="2" name="Titre 1"/>
+          <p:cNvSpPr>
+            <a:spLocks noGrp="1"/>
+          </p:cNvSpPr>
+          <p:nvPr>
+            <p:ph type="title"/>
+          </p:nvPr>
+        </p:nvSpPr>
+        <p:spPr/>
+        <p:txBody>
+          <a:bodyPr/>
+          <a:lstStyle/>
+          <a:p>
+            <a:pPr algn="ctr"/>
+            <a:r>
+              <a:rPr lang="fr-CA" dirty="0" smtClean="0"/>
+              <a:t>Machine virtuelle chip8</a:t>
+            </a:r>
+            <a:endParaRPr lang="fr-CA" dirty="0"/>
+          </a:p>
+        </p:txBody>
+      </p:sp>
+      <p:sp>
+        <p:nvSpPr>
+          <p:cNvPr id="3" name="Espace réservé du contenu 2"/>
+          <p:cNvSpPr>
+            <a:spLocks noGrp="1"/>
+          </p:cNvSpPr>
+          <p:nvPr>
+            <p:ph sz="quarter" idx="13"/>
+          </p:nvPr>
+        </p:nvSpPr>
+        <p:spPr/>
+        <p:txBody>
+          <a:bodyPr/>
+          <a:lstStyle/>
+          <a:p>
+            <a:endParaRPr lang="fr-CA"/>
+          </a:p>
+        </p:txBody>
+      </p:sp>
+    </p:spTree>
+    <p:extLst>
+      <p:ext uri="{BB962C8B-B14F-4D97-AF65-F5344CB8AC3E}">
+        <p14:creationId xmlns:p14="http://schemas.microsoft.com/office/powerpoint/2010/main" val="3137610833"/>
+      </p:ext>
+    </p:extLst>
+  </p:cSld>
+  <p:clrMapOvr>
+    <a:masterClrMapping/>
+  </p:clrMapOvr>
+</p:sld>
+</file>
+
+<file path=ppt/slides/slide9.xml><?xml version="1.0" encoding="utf-8"?>
+<p:sld xmlns:a="http://schemas.openxmlformats.org/drawingml/2006/main" xmlns:r="http://schemas.openxmlformats.org/officeDocument/2006/relationships" xmlns:p="http://schemas.openxmlformats.org/presentationml/2006/main">
+  <p:cSld>
+    <p:spTree>
+      <p:nvGrpSpPr>
+        <p:cNvPr id="1" name=""/>
+        <p:cNvGrpSpPr/>
+        <p:nvPr/>
+      </p:nvGrpSpPr>
+      <p:grpSpPr>
+        <a:xfrm>
+          <a:off x="0" y="0"/>
+          <a:ext cx="0" cy="0"/>
+          <a:chOff x="0" y="0"/>
+          <a:chExt cx="0" cy="0"/>
+        </a:xfrm>
+      </p:grpSpPr>
+      <p:sp>
+        <p:nvSpPr>
+          <p:cNvPr id="2" name="Titre 1"/>
+          <p:cNvSpPr>
+            <a:spLocks noGrp="1"/>
+          </p:cNvSpPr>
+          <p:nvPr>
+            <p:ph type="title"/>
+          </p:nvPr>
+        </p:nvSpPr>
+        <p:spPr/>
+        <p:txBody>
+          <a:bodyPr/>
+          <a:lstStyle/>
+          <a:p>
+            <a:pPr algn="ctr"/>
+            <a:r>
+              <a:rPr lang="fr-CA" dirty="0" smtClean="0"/>
+              <a:t>Son fonctionnement</a:t>
+            </a:r>
+            <a:endParaRPr lang="fr-CA" dirty="0"/>
+          </a:p>
+        </p:txBody>
+      </p:sp>
+      <p:sp>
+        <p:nvSpPr>
+          <p:cNvPr id="3" name="Espace réservé du contenu 2"/>
+          <p:cNvSpPr>
+            <a:spLocks noGrp="1"/>
+          </p:cNvSpPr>
+          <p:nvPr>
+            <p:ph sz="quarter" idx="13"/>
+          </p:nvPr>
+        </p:nvSpPr>
+        <p:spPr/>
+        <p:txBody>
+          <a:bodyPr/>
+          <a:lstStyle/>
+          <a:p>
+            <a:endParaRPr lang="fr-CA"/>
+          </a:p>
+        </p:txBody>
+      </p:sp>
+    </p:spTree>
+    <p:extLst>
+      <p:ext uri="{BB962C8B-B14F-4D97-AF65-F5344CB8AC3E}">
+        <p14:creationId xmlns:p14="http://schemas.microsoft.com/office/powerpoint/2010/main" val="104103781"/>
       </p:ext>
     </p:extLst>
   </p:cSld>

--- a/SERTP2.pptx
+++ b/SERTP2.pptx
@@ -13,11 +13,10 @@
     <p:sldId id="261" r:id="rId7"/>
     <p:sldId id="268" r:id="rId8"/>
     <p:sldId id="262" r:id="rId9"/>
-    <p:sldId id="263" r:id="rId10"/>
-    <p:sldId id="265" r:id="rId11"/>
-    <p:sldId id="264" r:id="rId12"/>
-    <p:sldId id="266" r:id="rId13"/>
-    <p:sldId id="267" r:id="rId14"/>
+    <p:sldId id="265" r:id="rId10"/>
+    <p:sldId id="263" r:id="rId11"/>
+    <p:sldId id="266" r:id="rId12"/>
+    <p:sldId id="267" r:id="rId13"/>
   </p:sldIdLst>
   <p:sldSz cx="9144000" cy="6858000" type="screen4x3"/>
   <p:notesSz cx="6858000" cy="9144000"/>
@@ -116,6 +115,22 @@
       </a:defRPr>
     </a:lvl9pPr>
   </p:defaultTextStyle>
+  <p:extLst>
+    <p:ext uri="{EFAFB233-063F-42B5-8137-9DF3F51BA10A}">
+      <p15:sldGuideLst xmlns:p15="http://schemas.microsoft.com/office/powerpoint/2012/main">
+        <p15:guide id="1" orient="horz" pos="2160">
+          <p15:clr>
+            <a:srgbClr val="A4A3A4"/>
+          </p15:clr>
+        </p15:guide>
+        <p15:guide id="2" pos="2880">
+          <p15:clr>
+            <a:srgbClr val="A4A3A4"/>
+          </p15:clr>
+        </p15:guide>
+      </p15:sldGuideLst>
+    </p:ext>
+  </p:extLst>
 </p:presentation>
 </file>
 
@@ -3588,6 +3603,25 @@
   <p:clrMapOvr>
     <a:masterClrMapping/>
   </p:clrMapOvr>
+  <mc:AlternateContent xmlns:mc="http://schemas.openxmlformats.org/markup-compatibility/2006">
+    <mc:Choice xmlns:p14="http://schemas.microsoft.com/office/powerpoint/2010/main" Requires="p14">
+      <p:transition spd="med" p14:dur="700">
+        <p:fade/>
+      </p:transition>
+    </mc:Choice>
+    <mc:Fallback>
+      <p:transition spd="med">
+        <p:fade/>
+      </p:transition>
+    </mc:Fallback>
+  </mc:AlternateContent>
+  <p:timing>
+    <p:tnLst>
+      <p:par>
+        <p:cTn id="1" dur="indefinite" restart="never" nodeType="tmRoot"/>
+      </p:par>
+    </p:tnLst>
+  </p:timing>
 </p:sld>
 </file>
 
@@ -3626,7 +3660,7 @@
             <a:pPr algn="ctr"/>
             <a:r>
               <a:rPr lang="fr-CA" dirty="0" smtClean="0"/>
-              <a:t>Programme chip8</a:t>
+              <a:t>Fonctionnement d’un émulateur CHIP8</a:t>
             </a:r>
             <a:endParaRPr lang="fr-CA" dirty="0"/>
           </a:p>
@@ -3647,20 +3681,80 @@
           <a:bodyPr/>
           <a:lstStyle/>
           <a:p>
-            <a:endParaRPr lang="fr-CA"/>
+            <a:r>
+              <a:rPr lang="fr-CA" dirty="0" smtClean="0"/>
+              <a:t>Obtention de l’instruction pointée par le PC (program </a:t>
+            </a:r>
+            <a:r>
+              <a:rPr lang="fr-CA" dirty="0" err="1" smtClean="0"/>
+              <a:t>counter</a:t>
+            </a:r>
+            <a:r>
+              <a:rPr lang="fr-CA" dirty="0" smtClean="0"/>
+              <a:t>)</a:t>
+            </a:r>
+          </a:p>
+          <a:p>
+            <a:r>
+              <a:rPr lang="fr-CA" dirty="0" smtClean="0"/>
+              <a:t>Détermination de l’</a:t>
+            </a:r>
+            <a:r>
+              <a:rPr lang="fr-CA" dirty="0" err="1" smtClean="0"/>
+              <a:t>opcode</a:t>
+            </a:r>
+            <a:endParaRPr lang="fr-CA" dirty="0" smtClean="0"/>
+          </a:p>
+          <a:p>
+            <a:r>
+              <a:rPr lang="fr-CA" dirty="0" smtClean="0"/>
+              <a:t>Obtention des paramètres</a:t>
+            </a:r>
+          </a:p>
+          <a:p>
+            <a:r>
+              <a:rPr lang="fr-CA" dirty="0" smtClean="0"/>
+              <a:t>Interprétation de l’instruction</a:t>
+            </a:r>
+          </a:p>
+          <a:p>
+            <a:r>
+              <a:rPr lang="fr-CA" dirty="0" smtClean="0"/>
+              <a:t>Incrémentation du PC</a:t>
+            </a:r>
+            <a:endParaRPr lang="fr-CA" dirty="0"/>
           </a:p>
         </p:txBody>
       </p:sp>
     </p:spTree>
     <p:extLst>
       <p:ext uri="{BB962C8B-B14F-4D97-AF65-F5344CB8AC3E}">
-        <p14:creationId xmlns:p14="http://schemas.microsoft.com/office/powerpoint/2010/main" val="935321272"/>
+        <p14:creationId xmlns:p14="http://schemas.microsoft.com/office/powerpoint/2010/main" val="104103781"/>
       </p:ext>
     </p:extLst>
   </p:cSld>
   <p:clrMapOvr>
     <a:masterClrMapping/>
   </p:clrMapOvr>
+  <mc:AlternateContent xmlns:mc="http://schemas.openxmlformats.org/markup-compatibility/2006">
+    <mc:Choice xmlns:p14="http://schemas.microsoft.com/office/powerpoint/2010/main" Requires="p14">
+      <p:transition spd="slow">
+        <p14:flash/>
+      </p:transition>
+    </mc:Choice>
+    <mc:Fallback>
+      <p:transition spd="slow">
+        <p:fade/>
+      </p:transition>
+    </mc:Fallback>
+  </mc:AlternateContent>
+  <p:timing>
+    <p:tnLst>
+      <p:par>
+        <p:cTn id="1" dur="indefinite" restart="never" nodeType="tmRoot"/>
+      </p:par>
+    </p:tnLst>
+  </p:timing>
 </p:sld>
 </file>
 
@@ -3699,7 +3793,7 @@
             <a:pPr algn="ctr"/>
             <a:r>
               <a:rPr lang="fr-CA" dirty="0" smtClean="0"/>
-              <a:t>Les registres</a:t>
+              <a:t>Assembleur</a:t>
             </a:r>
             <a:endParaRPr lang="fr-CA" dirty="0"/>
           </a:p>
@@ -3720,20 +3814,82 @@
           <a:bodyPr/>
           <a:lstStyle/>
           <a:p>
-            <a:endParaRPr lang="fr-CA"/>
+            <a:r>
+              <a:rPr lang="fr-CA" dirty="0" smtClean="0"/>
+              <a:t>Désigne à la fois un langage d’assemblage et le programme permettant de le compiler</a:t>
+            </a:r>
+          </a:p>
+          <a:p>
+            <a:r>
+              <a:rPr lang="fr-CA" dirty="0" smtClean="0"/>
+              <a:t>Langage de bas niveau représentant un langage machine de façon compréhensible pour un être humain</a:t>
+            </a:r>
+          </a:p>
+          <a:p>
+            <a:r>
+              <a:rPr lang="fr-CA" dirty="0" smtClean="0"/>
+              <a:t>Programme permettant </a:t>
+            </a:r>
+            <a:r>
+              <a:rPr lang="fr-CA" dirty="0"/>
+              <a:t>de </a:t>
+            </a:r>
+            <a:r>
+              <a:rPr lang="fr-CA" dirty="0" smtClean="0"/>
+              <a:t>transformer un </a:t>
+            </a:r>
+            <a:r>
+              <a:rPr lang="fr-CA" dirty="0"/>
+              <a:t>programme écrit dans un langage d’assemblage en langage </a:t>
+            </a:r>
+            <a:r>
+              <a:rPr lang="fr-CA" dirty="0" smtClean="0"/>
+              <a:t>machine</a:t>
+            </a:r>
+            <a:endParaRPr lang="fr-CA" dirty="0"/>
+          </a:p>
+          <a:p>
+            <a:r>
+              <a:rPr lang="fr-CA" dirty="0" smtClean="0"/>
+              <a:t>Aut</a:t>
+            </a:r>
+            <a:r>
+              <a:rPr lang="fr-CA" dirty="0" smtClean="0"/>
+              <a:t>ant d’assembleur que d’assembleur.</a:t>
+            </a:r>
+            <a:endParaRPr lang="fr-CA" dirty="0"/>
           </a:p>
         </p:txBody>
       </p:sp>
     </p:spTree>
     <p:extLst>
       <p:ext uri="{BB962C8B-B14F-4D97-AF65-F5344CB8AC3E}">
-        <p14:creationId xmlns:p14="http://schemas.microsoft.com/office/powerpoint/2010/main" val="3714012403"/>
+        <p14:creationId xmlns:p14="http://schemas.microsoft.com/office/powerpoint/2010/main" val="68766984"/>
       </p:ext>
     </p:extLst>
   </p:cSld>
   <p:clrMapOvr>
     <a:masterClrMapping/>
   </p:clrMapOvr>
+  <mc:AlternateContent xmlns:mc="http://schemas.openxmlformats.org/markup-compatibility/2006">
+    <mc:Choice xmlns:p14="http://schemas.microsoft.com/office/powerpoint/2010/main" Requires="p14">
+      <p:transition spd="slow" p14:dur="1200">
+        <p14:prism/>
+      </p:transition>
+    </mc:Choice>
+    <mc:Fallback>
+      <p:transition spd="slow">
+        <p:fade/>
+      </p:transition>
+    </mc:Fallback>
+  </mc:AlternateContent>
+  <p:timing>
+    <p:tnLst>
+      <p:par>
+        <p:cTn id="1" dur="indefinite" restart="never" nodeType="tmRoot"/>
+      </p:par>
+    </p:tnLst>
+  </p:timing>
 </p:sld>
 </file>
 
@@ -3772,79 +3928,6 @@
             <a:pPr algn="ctr"/>
             <a:r>
               <a:rPr lang="fr-CA" dirty="0" smtClean="0"/>
-              <a:t>Assembleur</a:t>
-            </a:r>
-            <a:endParaRPr lang="fr-CA" dirty="0"/>
-          </a:p>
-        </p:txBody>
-      </p:sp>
-      <p:sp>
-        <p:nvSpPr>
-          <p:cNvPr id="3" name="Espace réservé du contenu 2"/>
-          <p:cNvSpPr>
-            <a:spLocks noGrp="1"/>
-          </p:cNvSpPr>
-          <p:nvPr>
-            <p:ph sz="quarter" idx="13"/>
-          </p:nvPr>
-        </p:nvSpPr>
-        <p:spPr/>
-        <p:txBody>
-          <a:bodyPr/>
-          <a:lstStyle/>
-          <a:p>
-            <a:endParaRPr lang="fr-CA"/>
-          </a:p>
-        </p:txBody>
-      </p:sp>
-    </p:spTree>
-    <p:extLst>
-      <p:ext uri="{BB962C8B-B14F-4D97-AF65-F5344CB8AC3E}">
-        <p14:creationId xmlns:p14="http://schemas.microsoft.com/office/powerpoint/2010/main" val="68766984"/>
-      </p:ext>
-    </p:extLst>
-  </p:cSld>
-  <p:clrMapOvr>
-    <a:masterClrMapping/>
-  </p:clrMapOvr>
-</p:sld>
-</file>
-
-<file path=ppt/slides/slide13.xml><?xml version="1.0" encoding="utf-8"?>
-<p:sld xmlns:a="http://schemas.openxmlformats.org/drawingml/2006/main" xmlns:r="http://schemas.openxmlformats.org/officeDocument/2006/relationships" xmlns:p="http://schemas.openxmlformats.org/presentationml/2006/main">
-  <p:cSld>
-    <p:spTree>
-      <p:nvGrpSpPr>
-        <p:cNvPr id="1" name=""/>
-        <p:cNvGrpSpPr/>
-        <p:nvPr/>
-      </p:nvGrpSpPr>
-      <p:grpSpPr>
-        <a:xfrm>
-          <a:off x="0" y="0"/>
-          <a:ext cx="0" cy="0"/>
-          <a:chOff x="0" y="0"/>
-          <a:chExt cx="0" cy="0"/>
-        </a:xfrm>
-      </p:grpSpPr>
-      <p:sp>
-        <p:nvSpPr>
-          <p:cNvPr id="2" name="Titre 1"/>
-          <p:cNvSpPr>
-            <a:spLocks noGrp="1"/>
-          </p:cNvSpPr>
-          <p:nvPr>
-            <p:ph type="title"/>
-          </p:nvPr>
-        </p:nvSpPr>
-        <p:spPr/>
-        <p:txBody>
-          <a:bodyPr/>
-          <a:lstStyle/>
-          <a:p>
-            <a:pPr algn="ctr"/>
-            <a:r>
-              <a:rPr lang="fr-CA" dirty="0" smtClean="0"/>
               <a:t>Désassembleur</a:t>
             </a:r>
             <a:endParaRPr lang="fr-CA" dirty="0"/>
@@ -3926,6 +4009,25 @@
   <p:clrMapOvr>
     <a:masterClrMapping/>
   </p:clrMapOvr>
+  <mc:AlternateContent xmlns:mc="http://schemas.openxmlformats.org/markup-compatibility/2006">
+    <mc:Choice xmlns:p15="http://schemas.microsoft.com/office/powerpoint/2012/main" Requires="p15">
+      <p:transition xmlns:p14="http://schemas.microsoft.com/office/powerpoint/2010/main" spd="slow" p14:dur="6000">
+        <p15:prstTrans prst="curtains"/>
+      </p:transition>
+    </mc:Choice>
+    <mc:Fallback>
+      <p:transition spd="slow">
+        <p:fade/>
+      </p:transition>
+    </mc:Fallback>
+  </mc:AlternateContent>
+  <p:timing>
+    <p:tnLst>
+      <p:par>
+        <p:cTn id="1" dur="indefinite" restart="never" nodeType="tmRoot"/>
+      </p:par>
+    </p:tnLst>
+  </p:timing>
 </p:sld>
 </file>
 
@@ -4032,7 +4134,11 @@
             </a:pPr>
             <a:r>
               <a:rPr lang="fr-CA" dirty="0" smtClean="0"/>
-              <a:t>Machine virtuelle chip8</a:t>
+              <a:t>Machine virtuelle </a:t>
+            </a:r>
+            <a:r>
+              <a:rPr lang="fr-CA" dirty="0"/>
+              <a:t>chip8</a:t>
             </a:r>
           </a:p>
           <a:p>
@@ -4041,13 +4147,14 @@
               <a:buAutoNum type="arabicPeriod"/>
             </a:pPr>
             <a:r>
-              <a:rPr lang="fr-CA" dirty="0" smtClean="0"/>
-              <a:t>Fonctionnement d’une machine virtuelle </a:t>
+              <a:rPr lang="fr-CA" dirty="0"/>
+              <a:t>Programme </a:t>
             </a:r>
             <a:r>
               <a:rPr lang="fr-CA" dirty="0" smtClean="0"/>
               <a:t>chip8</a:t>
             </a:r>
+            <a:endParaRPr lang="fr-CA" dirty="0" smtClean="0"/>
           </a:p>
           <a:p>
             <a:pPr>
@@ -4055,14 +4162,13 @@
               <a:buAutoNum type="arabicPeriod"/>
             </a:pPr>
             <a:r>
-              <a:rPr lang="fr-CA" dirty="0"/>
-              <a:t>Programme </a:t>
+              <a:rPr lang="fr-CA" dirty="0" smtClean="0"/>
+              <a:t>Fonctionnement d’une machine virtuelle </a:t>
             </a:r>
             <a:r>
               <a:rPr lang="fr-CA" dirty="0" smtClean="0"/>
               <a:t>chip8</a:t>
             </a:r>
-            <a:endParaRPr lang="fr-CA" dirty="0" smtClean="0"/>
           </a:p>
           <a:p>
             <a:pPr>
@@ -4071,8 +4177,9 @@
             </a:pPr>
             <a:r>
               <a:rPr lang="fr-CA" dirty="0" smtClean="0"/>
-              <a:t>Les registres</a:t>
-            </a:r>
+              <a:t>Assembleur</a:t>
+            </a:r>
+            <a:endParaRPr lang="fr-CA" dirty="0" smtClean="0"/>
           </a:p>
           <a:p>
             <a:pPr>
@@ -4081,19 +4188,8 @@
             </a:pPr>
             <a:r>
               <a:rPr lang="fr-CA" dirty="0" smtClean="0"/>
-              <a:t>Assembleur</a:t>
-            </a:r>
-          </a:p>
-          <a:p>
-            <a:pPr>
-              <a:buFont typeface="+mj-lt"/>
-              <a:buAutoNum type="arabicPeriod"/>
-            </a:pPr>
-            <a:r>
-              <a:rPr lang="fr-CA" dirty="0" smtClean="0"/>
               <a:t>Désassembleur</a:t>
             </a:r>
-            <a:endParaRPr lang="fr-CA" dirty="0" smtClean="0"/>
           </a:p>
           <a:p>
             <a:pPr>
@@ -4114,6 +4210,25 @@
   <p:clrMapOvr>
     <a:masterClrMapping/>
   </p:clrMapOvr>
+  <mc:AlternateContent xmlns:mc="http://schemas.openxmlformats.org/markup-compatibility/2006">
+    <mc:Choice xmlns:p15="http://schemas.microsoft.com/office/powerpoint/2012/main" Requires="p15">
+      <p:transition xmlns:p14="http://schemas.microsoft.com/office/powerpoint/2010/main" spd="slow" p14:dur="2000">
+        <p15:prstTrans prst="fracture"/>
+      </p:transition>
+    </mc:Choice>
+    <mc:Fallback>
+      <p:transition spd="slow">
+        <p:fade/>
+      </p:transition>
+    </mc:Fallback>
+  </mc:AlternateContent>
+  <p:timing>
+    <p:tnLst>
+      <p:par>
+        <p:cTn id="1" dur="indefinite" restart="never" nodeType="tmRoot"/>
+      </p:par>
+    </p:tnLst>
+  </p:timing>
 </p:sld>
 </file>
 
@@ -4173,7 +4288,60 @@
           <a:bodyPr/>
           <a:lstStyle/>
           <a:p>
-            <a:endParaRPr lang="fr-CA" dirty="0"/>
+            <a:r>
+              <a:rPr lang="fr-CA" dirty="0" smtClean="0"/>
+              <a:t>Langage hexadécimal</a:t>
+            </a:r>
+          </a:p>
+          <a:p>
+            <a:r>
+              <a:rPr lang="fr-CA" dirty="0" smtClean="0"/>
+              <a:t>Inventée en 1978 par Joseph </a:t>
+            </a:r>
+            <a:r>
+              <a:rPr lang="fr-CA" dirty="0" err="1" smtClean="0"/>
+              <a:t>Weisbecker</a:t>
+            </a:r>
+            <a:endParaRPr lang="fr-CA" dirty="0" smtClean="0"/>
+          </a:p>
+          <a:p>
+            <a:r>
+              <a:rPr lang="fr-CA" dirty="0" smtClean="0"/>
+              <a:t>Popularisé en 1990</a:t>
+            </a:r>
+          </a:p>
+          <a:p>
+            <a:r>
+              <a:rPr lang="fr-CA" dirty="0" smtClean="0"/>
+              <a:t>Évolution : SCHIP et </a:t>
+            </a:r>
+            <a:r>
+              <a:rPr lang="fr-CA" dirty="0" err="1" smtClean="0"/>
+              <a:t>MegaCHIP</a:t>
+            </a:r>
+            <a:endParaRPr lang="fr-CA" dirty="0" smtClean="0"/>
+          </a:p>
+          <a:p>
+            <a:r>
+              <a:rPr lang="fr-CA" dirty="0" smtClean="0"/>
+              <a:t>Implémentation en C++, java, </a:t>
+            </a:r>
+            <a:r>
+              <a:rPr lang="fr-CA" dirty="0" err="1" smtClean="0"/>
+              <a:t>javascript</a:t>
+            </a:r>
+            <a:r>
+              <a:rPr lang="fr-CA" dirty="0" smtClean="0"/>
+              <a:t>, </a:t>
+            </a:r>
+            <a:r>
+              <a:rPr lang="fr-CA" dirty="0" err="1" smtClean="0"/>
+              <a:t>Verilog</a:t>
+            </a:r>
+            <a:r>
+              <a:rPr lang="fr-CA" dirty="0" smtClean="0"/>
+              <a:t>, etc.</a:t>
+            </a:r>
           </a:p>
         </p:txBody>
       </p:sp>
@@ -4187,6 +4355,25 @@
   <p:clrMapOvr>
     <a:masterClrMapping/>
   </p:clrMapOvr>
+  <mc:AlternateContent xmlns:mc="http://schemas.openxmlformats.org/markup-compatibility/2006">
+    <mc:Choice xmlns:p14="http://schemas.microsoft.com/office/powerpoint/2010/main" Requires="p14">
+      <p:transition spd="slow" p14:dur="3000">
+        <p14:shred/>
+      </p:transition>
+    </mc:Choice>
+    <mc:Fallback>
+      <p:transition spd="slow">
+        <p:fade/>
+      </p:transition>
+    </mc:Fallback>
+  </mc:AlternateContent>
+  <p:timing>
+    <p:tnLst>
+      <p:par>
+        <p:cTn id="1" dur="indefinite" restart="never" nodeType="tmRoot"/>
+      </p:par>
+    </p:tnLst>
+  </p:timing>
 </p:sld>
 </file>
 
@@ -4241,12 +4428,26 @@
             <p:ph sz="quarter" idx="13"/>
           </p:nvPr>
         </p:nvSpPr>
-        <p:spPr/>
-        <p:txBody>
-          <a:bodyPr/>
-          <a:lstStyle/>
-          <a:p>
-            <a:endParaRPr lang="fr-CA"/>
+        <p:spPr>
+          <a:xfrm>
+            <a:off x="609600" y="2204864"/>
+            <a:ext cx="7924800" cy="3510136"/>
+          </a:xfrm>
+        </p:spPr>
+        <p:txBody>
+          <a:bodyPr/>
+          <a:lstStyle/>
+          <a:p>
+            <a:r>
+              <a:rPr lang="fr-CA" dirty="0" smtClean="0"/>
+              <a:t>Programme imitant le fonctionnement physique d’un dispositif matériel.</a:t>
+            </a:r>
+          </a:p>
+          <a:p>
+            <a:r>
+              <a:rPr lang="fr-CA" dirty="0" smtClean="0"/>
+              <a:t>Plusieurs niveau de fidélités.</a:t>
+            </a:r>
           </a:p>
         </p:txBody>
       </p:sp>
@@ -4260,6 +4461,25 @@
   <p:clrMapOvr>
     <a:masterClrMapping/>
   </p:clrMapOvr>
+  <mc:AlternateContent xmlns:mc="http://schemas.openxmlformats.org/markup-compatibility/2006">
+    <mc:Choice xmlns:p14="http://schemas.microsoft.com/office/powerpoint/2010/main" Requires="p14">
+      <p:transition spd="slow" p14:dur="4000">
+        <p14:vortex dir="r"/>
+      </p:transition>
+    </mc:Choice>
+    <mc:Fallback>
+      <p:transition spd="slow">
+        <p:fade/>
+      </p:transition>
+    </mc:Fallback>
+  </mc:AlternateContent>
+  <p:timing>
+    <p:tnLst>
+      <p:par>
+        <p:cTn id="1" dur="indefinite" restart="never" nodeType="tmRoot"/>
+      </p:par>
+    </p:tnLst>
+  </p:timing>
 </p:sld>
 </file>
 
@@ -4319,7 +4539,53 @@
           <a:bodyPr/>
           <a:lstStyle/>
           <a:p>
-            <a:endParaRPr lang="fr-CA"/>
+            <a:r>
+              <a:rPr lang="fr-CA" dirty="0" smtClean="0"/>
+              <a:t>Fonctionnement typique d’un émulateur :</a:t>
+            </a:r>
+          </a:p>
+          <a:p>
+            <a:pPr lvl="1"/>
+            <a:r>
+              <a:rPr lang="fr-CA" dirty="0" smtClean="0"/>
+              <a:t>Chargement de la rom</a:t>
+            </a:r>
+          </a:p>
+          <a:p>
+            <a:pPr lvl="1"/>
+            <a:r>
+              <a:rPr lang="fr-CA" dirty="0" smtClean="0"/>
+              <a:t>Lecture d’un </a:t>
+            </a:r>
+            <a:r>
+              <a:rPr lang="fr-CA" dirty="0" err="1" smtClean="0"/>
+              <a:t>opcode</a:t>
+            </a:r>
+            <a:endParaRPr lang="fr-CA" dirty="0" smtClean="0"/>
+          </a:p>
+          <a:p>
+            <a:pPr lvl="1"/>
+            <a:r>
+              <a:rPr lang="fr-CA" dirty="0" smtClean="0"/>
+              <a:t>Interprétation de </a:t>
+            </a:r>
+            <a:r>
+              <a:rPr lang="fr-CA" dirty="0" smtClean="0"/>
+              <a:t>l’</a:t>
+            </a:r>
+            <a:r>
+              <a:rPr lang="fr-CA" dirty="0" err="1" smtClean="0"/>
+              <a:t>opcode</a:t>
+            </a:r>
+            <a:endParaRPr lang="fr-CA" dirty="0" smtClean="0"/>
+          </a:p>
+          <a:p>
+            <a:pPr lvl="1"/>
+            <a:r>
+              <a:rPr lang="fr-CA" dirty="0" smtClean="0"/>
+              <a:t>Etc.</a:t>
+            </a:r>
+            <a:endParaRPr lang="fr-CA" dirty="0" smtClean="0"/>
           </a:p>
         </p:txBody>
       </p:sp>
@@ -4333,6 +4599,25 @@
   <p:clrMapOvr>
     <a:masterClrMapping/>
   </p:clrMapOvr>
+  <mc:AlternateContent xmlns:mc="http://schemas.openxmlformats.org/markup-compatibility/2006">
+    <mc:Choice xmlns:p14="http://schemas.microsoft.com/office/powerpoint/2010/main" Requires="p14">
+      <p:transition spd="slow" p14:dur="1400">
+        <p14:ripple/>
+      </p:transition>
+    </mc:Choice>
+    <mc:Fallback>
+      <p:transition spd="slow">
+        <p:fade/>
+      </p:transition>
+    </mc:Fallback>
+  </mc:AlternateContent>
+  <p:timing>
+    <p:tnLst>
+      <p:par>
+        <p:cTn id="1" dur="indefinite" restart="never" nodeType="tmRoot"/>
+      </p:par>
+    </p:tnLst>
+  </p:timing>
 </p:sld>
 </file>
 
@@ -4452,6 +4737,25 @@
   <p:clrMapOvr>
     <a:masterClrMapping/>
   </p:clrMapOvr>
+  <mc:AlternateContent xmlns:mc="http://schemas.openxmlformats.org/markup-compatibility/2006">
+    <mc:Choice xmlns:p14="http://schemas.microsoft.com/office/powerpoint/2010/main" Requires="p14">
+      <p:transition spd="slow" p14:dur="3900">
+        <p14:glitter pattern="hexagon"/>
+      </p:transition>
+    </mc:Choice>
+    <mc:Fallback>
+      <p:transition spd="slow">
+        <p:fade/>
+      </p:transition>
+    </mc:Fallback>
+  </mc:AlternateContent>
+  <p:timing>
+    <p:tnLst>
+      <p:par>
+        <p:cTn id="1" dur="indefinite" restart="never" nodeType="tmRoot"/>
+      </p:par>
+    </p:tnLst>
+  </p:timing>
 </p:sld>
 </file>
 
@@ -4561,6 +4865,25 @@
   <p:clrMapOvr>
     <a:masterClrMapping/>
   </p:clrMapOvr>
+  <mc:AlternateContent xmlns:mc="http://schemas.openxmlformats.org/markup-compatibility/2006">
+    <mc:Choice xmlns:p15="http://schemas.microsoft.com/office/powerpoint/2012/main" Requires="p15">
+      <p:transition xmlns:p14="http://schemas.microsoft.com/office/powerpoint/2010/main" spd="slow" p14:dur="2000">
+        <p15:prstTrans prst="crush"/>
+      </p:transition>
+    </mc:Choice>
+    <mc:Fallback>
+      <p:transition spd="slow">
+        <p:fade/>
+      </p:transition>
+    </mc:Fallback>
+  </mc:AlternateContent>
+  <p:timing>
+    <p:tnLst>
+      <p:par>
+        <p:cTn id="1" dur="indefinite" restart="never" nodeType="tmRoot"/>
+      </p:par>
+    </p:tnLst>
+  </p:timing>
 </p:sld>
 </file>
 
@@ -4620,7 +4943,86 @@
           <a:bodyPr/>
           <a:lstStyle/>
           <a:p>
-            <a:endParaRPr lang="fr-CA"/>
+            <a:r>
+              <a:rPr lang="fr-CA" dirty="0" smtClean="0"/>
+              <a:t>4 ko de ram</a:t>
+            </a:r>
+          </a:p>
+          <a:p>
+            <a:r>
+              <a:rPr lang="fr-CA" dirty="0" smtClean="0"/>
+              <a:t>16 registres de donnée de 8 bits</a:t>
+            </a:r>
+          </a:p>
+          <a:p>
+            <a:r>
+              <a:rPr lang="fr-CA" dirty="0" smtClean="0"/>
+              <a:t>Un registre d’</a:t>
+            </a:r>
+            <a:r>
+              <a:rPr lang="fr-CA" dirty="0" err="1" smtClean="0"/>
+              <a:t>addresse</a:t>
+            </a:r>
+            <a:r>
+              <a:rPr lang="fr-CA" dirty="0" smtClean="0"/>
+              <a:t> de 16 bits</a:t>
+            </a:r>
+          </a:p>
+          <a:p>
+            <a:r>
+              <a:rPr lang="fr-CA" dirty="0" smtClean="0"/>
+              <a:t>Un pointeur d’instruction de 16 bits</a:t>
+            </a:r>
+            <a:endParaRPr lang="fr-CA" dirty="0" smtClean="0"/>
+          </a:p>
+          <a:p>
+            <a:r>
+              <a:rPr lang="fr-CA" dirty="0" smtClean="0"/>
+              <a:t>Un pointeur de pile de 8 bits</a:t>
+            </a:r>
+          </a:p>
+          <a:p>
+            <a:r>
+              <a:rPr lang="fr-CA" dirty="0" smtClean="0"/>
+              <a:t>Un clavier hexadécimal de 16 touches</a:t>
+            </a:r>
+          </a:p>
+          <a:p>
+            <a:r>
+              <a:rPr lang="fr-CA" dirty="0" smtClean="0"/>
+              <a:t>Un </a:t>
+            </a:r>
+            <a:r>
+              <a:rPr lang="fr-CA" dirty="0"/>
+              <a:t>écran monochrome de 64 par 32 </a:t>
+            </a:r>
+            <a:r>
+              <a:rPr lang="fr-CA" dirty="0" smtClean="0"/>
+              <a:t>pixels</a:t>
+            </a:r>
+          </a:p>
+          <a:p>
+            <a:r>
+              <a:rPr lang="fr-CA" dirty="0" smtClean="0"/>
+              <a:t>Un minuteur de délai</a:t>
+            </a:r>
+          </a:p>
+          <a:p>
+            <a:r>
+              <a:rPr lang="fr-CA" dirty="0" smtClean="0"/>
+              <a:t>Un minuteur de son</a:t>
+            </a:r>
+          </a:p>
+          <a:p>
+            <a:r>
+              <a:rPr lang="fr-CA" dirty="0" smtClean="0"/>
+              <a:t>35 </a:t>
+            </a:r>
+            <a:r>
+              <a:rPr lang="fr-CA" dirty="0" err="1" smtClean="0"/>
+              <a:t>opcodes</a:t>
+            </a:r>
+            <a:endParaRPr lang="fr-CA" dirty="0"/>
           </a:p>
         </p:txBody>
       </p:sp>
@@ -4634,6 +5036,25 @@
   <p:clrMapOvr>
     <a:masterClrMapping/>
   </p:clrMapOvr>
+  <mc:AlternateContent xmlns:mc="http://schemas.openxmlformats.org/markup-compatibility/2006">
+    <mc:Choice xmlns:p14="http://schemas.microsoft.com/office/powerpoint/2010/main" Requires="p14">
+      <p:transition spd="slow" p14:dur="1250">
+        <p14:flip dir="r"/>
+      </p:transition>
+    </mc:Choice>
+    <mc:Fallback>
+      <p:transition spd="slow">
+        <p:fade/>
+      </p:transition>
+    </mc:Fallback>
+  </mc:AlternateContent>
+  <p:timing>
+    <p:tnLst>
+      <p:par>
+        <p:cTn id="1" dur="indefinite" restart="never" nodeType="tmRoot"/>
+      </p:par>
+    </p:tnLst>
+  </p:timing>
 </p:sld>
 </file>
 
@@ -4672,7 +5093,7 @@
             <a:pPr algn="ctr"/>
             <a:r>
               <a:rPr lang="fr-CA" dirty="0" smtClean="0"/>
-              <a:t>Son fonctionnement</a:t>
+              <a:t>Programme chip8</a:t>
             </a:r>
             <a:endParaRPr lang="fr-CA" dirty="0"/>
           </a:p>
@@ -4693,20 +5114,84 @@
           <a:bodyPr/>
           <a:lstStyle/>
           <a:p>
-            <a:endParaRPr lang="fr-CA"/>
+            <a:r>
+              <a:rPr lang="fr-CA" dirty="0" smtClean="0"/>
+              <a:t>Composé d’instruction</a:t>
+            </a:r>
+          </a:p>
+          <a:p>
+            <a:pPr lvl="1"/>
+            <a:r>
+              <a:rPr lang="fr-CA" dirty="0" err="1" smtClean="0"/>
+              <a:t>Opcode</a:t>
+            </a:r>
+            <a:endParaRPr lang="fr-CA" dirty="0" smtClean="0"/>
+          </a:p>
+          <a:p>
+            <a:pPr lvl="1"/>
+            <a:r>
+              <a:rPr lang="fr-CA" dirty="0" err="1" smtClean="0"/>
+              <a:t>P</a:t>
+            </a:r>
+            <a:r>
+              <a:rPr lang="fr-CA" dirty="0" err="1" smtClean="0"/>
+              <a:t>aramêtres</a:t>
+            </a:r>
+            <a:endParaRPr lang="fr-CA" dirty="0"/>
+          </a:p>
+          <a:p>
+            <a:pPr lvl="1"/>
+            <a:r>
+              <a:rPr lang="fr-CA" dirty="0" smtClean="0"/>
+              <a:t>Taille fixe de 16 bits (ARM) vs taille variable (x86)</a:t>
+            </a:r>
+          </a:p>
+          <a:p>
+            <a:r>
+              <a:rPr lang="fr-CA" dirty="0"/>
+              <a:t>Symboles : NNN (adresse 12 bits), NN (constante 8 bits), N (constantes 4 bits), X (identifiant de registre 4 bits), Y (identifiant de registre 4 bits</a:t>
+            </a:r>
+            <a:r>
+              <a:rPr lang="fr-CA" dirty="0" smtClean="0"/>
+              <a:t>)</a:t>
+            </a:r>
+          </a:p>
+          <a:p>
+            <a:r>
+              <a:rPr lang="fr-CA" dirty="0" smtClean="0"/>
+              <a:t>Ex : </a:t>
+            </a:r>
+            <a:r>
+              <a:rPr lang="fr-CA" dirty="0"/>
+              <a:t>0x8XY0</a:t>
+            </a:r>
+            <a:endParaRPr lang="fr-CA" dirty="0" smtClean="0"/>
+          </a:p>
+          <a:p>
+            <a:endParaRPr lang="fr-CA" dirty="0"/>
           </a:p>
         </p:txBody>
       </p:sp>
     </p:spTree>
     <p:extLst>
       <p:ext uri="{BB962C8B-B14F-4D97-AF65-F5344CB8AC3E}">
-        <p14:creationId xmlns:p14="http://schemas.microsoft.com/office/powerpoint/2010/main" val="104103781"/>
+        <p14:creationId xmlns:p14="http://schemas.microsoft.com/office/powerpoint/2010/main" val="935321272"/>
       </p:ext>
     </p:extLst>
   </p:cSld>
   <p:clrMapOvr>
     <a:masterClrMapping/>
   </p:clrMapOvr>
+  <p:transition spd="slow">
+    <p:comb/>
+  </p:transition>
+  <p:timing>
+    <p:tnLst>
+      <p:par>
+        <p:cTn id="1" dur="indefinite" restart="never" nodeType="tmRoot"/>
+      </p:par>
+    </p:tnLst>
+  </p:timing>
 </p:sld>
 </file>
 

--- a/SERTP2.pptx
+++ b/SERTP2.pptx
@@ -117,7 +117,7 @@
   </p:defaultTextStyle>
   <p:extLst>
     <p:ext uri="{EFAFB233-063F-42B5-8137-9DF3F51BA10A}">
-      <p15:sldGuideLst xmlns:p15="http://schemas.microsoft.com/office/powerpoint/2012/main">
+      <p15:sldGuideLst xmlns:p15="http://schemas.microsoft.com/office/powerpoint/2012/main" xmlns="">
         <p15:guide id="1" orient="horz" pos="2160">
           <p15:clr>
             <a:srgbClr val="A4A3A4"/>
@@ -193,7 +193,7 @@
           <a:p>
             <a:fld id="{AA309A6D-C09C-4548-B29A-6CF363A7E532}" type="datetimeFigureOut">
               <a:rPr lang="fr-FR" smtClean="0"/>
-              <a:t>29/10/2015</a:t>
+              <a:t>30/10/2015</a:t>
             </a:fld>
             <a:endParaRPr lang="fr-BE"/>
           </a:p>
@@ -509,7 +509,7 @@
           <a:p>
             <a:fld id="{AA309A6D-C09C-4548-B29A-6CF363A7E532}" type="datetimeFigureOut">
               <a:rPr lang="fr-FR" smtClean="0"/>
-              <a:t>29/10/2015</a:t>
+              <a:t>30/10/2015</a:t>
             </a:fld>
             <a:endParaRPr lang="fr-BE"/>
           </a:p>
@@ -684,7 +684,7 @@
           <a:p>
             <a:fld id="{AA309A6D-C09C-4548-B29A-6CF363A7E532}" type="datetimeFigureOut">
               <a:rPr lang="fr-FR" smtClean="0"/>
-              <a:t>29/10/2015</a:t>
+              <a:t>30/10/2015</a:t>
             </a:fld>
             <a:endParaRPr lang="fr-BE"/>
           </a:p>
@@ -802,7 +802,7 @@
           <a:p>
             <a:fld id="{AA309A6D-C09C-4548-B29A-6CF363A7E532}" type="datetimeFigureOut">
               <a:rPr lang="fr-FR" smtClean="0"/>
-              <a:t>29/10/2015</a:t>
+              <a:t>30/10/2015</a:t>
             </a:fld>
             <a:endParaRPr lang="fr-BE"/>
           </a:p>
@@ -1100,7 +1100,7 @@
           <a:p>
             <a:fld id="{AA309A6D-C09C-4548-B29A-6CF363A7E532}" type="datetimeFigureOut">
               <a:rPr lang="fr-FR" smtClean="0"/>
-              <a:t>29/10/2015</a:t>
+              <a:t>30/10/2015</a:t>
             </a:fld>
             <a:endParaRPr lang="fr-BE"/>
           </a:p>
@@ -1393,7 +1393,7 @@
           <a:p>
             <a:fld id="{AA309A6D-C09C-4548-B29A-6CF363A7E532}" type="datetimeFigureOut">
               <a:rPr lang="fr-FR" smtClean="0"/>
-              <a:t>29/10/2015</a:t>
+              <a:t>30/10/2015</a:t>
             </a:fld>
             <a:endParaRPr lang="fr-BE"/>
           </a:p>
@@ -1821,7 +1821,7 @@
           <a:p>
             <a:fld id="{AA309A6D-C09C-4548-B29A-6CF363A7E532}" type="datetimeFigureOut">
               <a:rPr lang="fr-FR" smtClean="0"/>
-              <a:t>29/10/2015</a:t>
+              <a:t>30/10/2015</a:t>
             </a:fld>
             <a:endParaRPr lang="fr-BE"/>
           </a:p>
@@ -1939,7 +1939,7 @@
           <a:p>
             <a:fld id="{AA309A6D-C09C-4548-B29A-6CF363A7E532}" type="datetimeFigureOut">
               <a:rPr lang="fr-FR" smtClean="0"/>
-              <a:t>29/10/2015</a:t>
+              <a:t>30/10/2015</a:t>
             </a:fld>
             <a:endParaRPr lang="fr-BE"/>
           </a:p>
@@ -2029,7 +2029,7 @@
           <a:p>
             <a:fld id="{AA309A6D-C09C-4548-B29A-6CF363A7E532}" type="datetimeFigureOut">
               <a:rPr lang="fr-FR" smtClean="0"/>
-              <a:t>29/10/2015</a:t>
+              <a:t>30/10/2015</a:t>
             </a:fld>
             <a:endParaRPr lang="fr-BE"/>
           </a:p>
@@ -2279,7 +2279,7 @@
           <a:p>
             <a:fld id="{AA309A6D-C09C-4548-B29A-6CF363A7E532}" type="datetimeFigureOut">
               <a:rPr lang="fr-FR" smtClean="0"/>
-              <a:t>29/10/2015</a:t>
+              <a:t>30/10/2015</a:t>
             </a:fld>
             <a:endParaRPr lang="fr-BE"/>
           </a:p>
@@ -2795,7 +2795,7 @@
           <a:p>
             <a:fld id="{AA309A6D-C09C-4548-B29A-6CF363A7E532}" type="datetimeFigureOut">
               <a:rPr lang="fr-FR" smtClean="0"/>
-              <a:t>29/10/2015</a:t>
+              <a:t>30/10/2015</a:t>
             </a:fld>
             <a:endParaRPr lang="fr-BE"/>
           </a:p>
@@ -3025,7 +3025,7 @@
           <a:p>
             <a:fld id="{AA309A6D-C09C-4548-B29A-6CF363A7E532}" type="datetimeFigureOut">
               <a:rPr lang="fr-FR" smtClean="0"/>
-              <a:t>29/10/2015</a:t>
+              <a:t>30/10/2015</a:t>
             </a:fld>
             <a:endParaRPr lang="fr-BE"/>
           </a:p>
@@ -3603,13 +3603,13 @@
   <p:clrMapOvr>
     <a:masterClrMapping/>
   </p:clrMapOvr>
-  <mc:AlternateContent xmlns:mc="http://schemas.openxmlformats.org/markup-compatibility/2006">
-    <mc:Choice xmlns:p14="http://schemas.microsoft.com/office/powerpoint/2010/main" Requires="p14">
+  <mc:AlternateContent xmlns:mc="http://schemas.openxmlformats.org/markup-compatibility/2006" xmlns:p14="http://schemas.microsoft.com/office/powerpoint/2010/main">
+    <mc:Choice Requires="p14">
       <p:transition spd="med" p14:dur="700">
         <p:fade/>
       </p:transition>
     </mc:Choice>
-    <mc:Fallback>
+    <mc:Fallback xmlns="">
       <p:transition spd="med">
         <p:fade/>
       </p:transition>
@@ -3736,13 +3736,13 @@
   <p:clrMapOvr>
     <a:masterClrMapping/>
   </p:clrMapOvr>
-  <mc:AlternateContent xmlns:mc="http://schemas.openxmlformats.org/markup-compatibility/2006">
-    <mc:Choice xmlns:p14="http://schemas.microsoft.com/office/powerpoint/2010/main" Requires="p14">
+  <mc:AlternateContent xmlns:mc="http://schemas.openxmlformats.org/markup-compatibility/2006" xmlns:p14="http://schemas.microsoft.com/office/powerpoint/2010/main">
+    <mc:Choice Requires="p14">
       <p:transition spd="slow">
         <p14:flash/>
       </p:transition>
     </mc:Choice>
-    <mc:Fallback>
+    <mc:Fallback xmlns="">
       <p:transition spd="slow">
         <p:fade/>
       </p:transition>
@@ -3851,11 +3851,7 @@
           <a:p>
             <a:r>
               <a:rPr lang="fr-CA" dirty="0" smtClean="0"/>
-              <a:t>Aut</a:t>
-            </a:r>
-            <a:r>
-              <a:rPr lang="fr-CA" dirty="0" smtClean="0"/>
-              <a:t>ant d’assembleur que d’assembleur.</a:t>
+              <a:t>Autant d’assembleur que d’assembleur.</a:t>
             </a:r>
             <a:endParaRPr lang="fr-CA" dirty="0"/>
           </a:p>
@@ -3871,13 +3867,13 @@
   <p:clrMapOvr>
     <a:masterClrMapping/>
   </p:clrMapOvr>
-  <mc:AlternateContent xmlns:mc="http://schemas.openxmlformats.org/markup-compatibility/2006">
-    <mc:Choice xmlns:p14="http://schemas.microsoft.com/office/powerpoint/2010/main" Requires="p14">
+  <mc:AlternateContent xmlns:mc="http://schemas.openxmlformats.org/markup-compatibility/2006" xmlns:p14="http://schemas.microsoft.com/office/powerpoint/2010/main">
+    <mc:Choice Requires="p14">
       <p:transition spd="slow" p14:dur="1200">
         <p14:prism/>
       </p:transition>
     </mc:Choice>
-    <mc:Fallback>
+    <mc:Fallback xmlns="">
       <p:transition spd="slow">
         <p:fade/>
       </p:transition>
@@ -4010,7 +4006,7 @@
     <a:masterClrMapping/>
   </p:clrMapOvr>
   <mc:AlternateContent xmlns:mc="http://schemas.openxmlformats.org/markup-compatibility/2006">
-    <mc:Choice xmlns:p15="http://schemas.microsoft.com/office/powerpoint/2012/main" Requires="p15">
+    <mc:Choice xmlns:p15="http://schemas.microsoft.com/office/powerpoint/2012/main" xmlns="" Requires="p15">
       <p:transition xmlns:p14="http://schemas.microsoft.com/office/powerpoint/2010/main" spd="slow" p14:dur="6000">
         <p15:prstTrans prst="curtains"/>
       </p:transition>
@@ -4154,7 +4150,6 @@
               <a:rPr lang="fr-CA" dirty="0" smtClean="0"/>
               <a:t>chip8</a:t>
             </a:r>
-            <a:endParaRPr lang="fr-CA" dirty="0" smtClean="0"/>
           </a:p>
           <a:p>
             <a:pPr>
@@ -4163,11 +4158,7 @@
             </a:pPr>
             <a:r>
               <a:rPr lang="fr-CA" dirty="0" smtClean="0"/>
-              <a:t>Fonctionnement d’une machine virtuelle </a:t>
-            </a:r>
-            <a:r>
-              <a:rPr lang="fr-CA" dirty="0" smtClean="0"/>
-              <a:t>chip8</a:t>
+              <a:t>Fonctionnement d’une machine virtuelle chip8</a:t>
             </a:r>
           </a:p>
           <a:p>
@@ -4179,7 +4170,6 @@
               <a:rPr lang="fr-CA" dirty="0" smtClean="0"/>
               <a:t>Assembleur</a:t>
             </a:r>
-            <a:endParaRPr lang="fr-CA" dirty="0" smtClean="0"/>
           </a:p>
           <a:p>
             <a:pPr>
@@ -4211,7 +4201,7 @@
     <a:masterClrMapping/>
   </p:clrMapOvr>
   <mc:AlternateContent xmlns:mc="http://schemas.openxmlformats.org/markup-compatibility/2006">
-    <mc:Choice xmlns:p15="http://schemas.microsoft.com/office/powerpoint/2012/main" Requires="p15">
+    <mc:Choice xmlns:p15="http://schemas.microsoft.com/office/powerpoint/2012/main" xmlns="" Requires="p15">
       <p:transition xmlns:p14="http://schemas.microsoft.com/office/powerpoint/2010/main" spd="slow" p14:dur="2000">
         <p15:prstTrans prst="fracture"/>
       </p:transition>
@@ -4355,13 +4345,13 @@
   <p:clrMapOvr>
     <a:masterClrMapping/>
   </p:clrMapOvr>
-  <mc:AlternateContent xmlns:mc="http://schemas.openxmlformats.org/markup-compatibility/2006">
-    <mc:Choice xmlns:p14="http://schemas.microsoft.com/office/powerpoint/2010/main" Requires="p14">
+  <mc:AlternateContent xmlns:mc="http://schemas.openxmlformats.org/markup-compatibility/2006" xmlns:p14="http://schemas.microsoft.com/office/powerpoint/2010/main">
+    <mc:Choice Requires="p14">
       <p:transition spd="slow" p14:dur="3000">
         <p14:shred/>
       </p:transition>
     </mc:Choice>
-    <mc:Fallback>
+    <mc:Fallback xmlns="">
       <p:transition spd="slow">
         <p:fade/>
       </p:transition>
@@ -4461,13 +4451,13 @@
   <p:clrMapOvr>
     <a:masterClrMapping/>
   </p:clrMapOvr>
-  <mc:AlternateContent xmlns:mc="http://schemas.openxmlformats.org/markup-compatibility/2006">
-    <mc:Choice xmlns:p14="http://schemas.microsoft.com/office/powerpoint/2010/main" Requires="p14">
+  <mc:AlternateContent xmlns:mc="http://schemas.openxmlformats.org/markup-compatibility/2006" xmlns:p14="http://schemas.microsoft.com/office/powerpoint/2010/main">
+    <mc:Choice Requires="p14">
       <p:transition spd="slow" p14:dur="4000">
         <p14:vortex dir="r"/>
       </p:transition>
     </mc:Choice>
-    <mc:Fallback>
+    <mc:Fallback xmlns="">
       <p:transition spd="slow">
         <p:fade/>
       </p:transition>
@@ -4567,11 +4557,7 @@
             <a:pPr lvl="1"/>
             <a:r>
               <a:rPr lang="fr-CA" dirty="0" smtClean="0"/>
-              <a:t>Interprétation de </a:t>
-            </a:r>
-            <a:r>
-              <a:rPr lang="fr-CA" dirty="0" smtClean="0"/>
-              <a:t>l’</a:t>
+              <a:t>Interprétation de l’</a:t>
             </a:r>
             <a:r>
               <a:rPr lang="fr-CA" dirty="0" err="1" smtClean="0"/>
@@ -4585,7 +4571,6 @@
               <a:rPr lang="fr-CA" dirty="0" smtClean="0"/>
               <a:t>Etc.</a:t>
             </a:r>
-            <a:endParaRPr lang="fr-CA" dirty="0" smtClean="0"/>
           </a:p>
         </p:txBody>
       </p:sp>
@@ -4599,13 +4584,13 @@
   <p:clrMapOvr>
     <a:masterClrMapping/>
   </p:clrMapOvr>
-  <mc:AlternateContent xmlns:mc="http://schemas.openxmlformats.org/markup-compatibility/2006">
-    <mc:Choice xmlns:p14="http://schemas.microsoft.com/office/powerpoint/2010/main" Requires="p14">
+  <mc:AlternateContent xmlns:mc="http://schemas.openxmlformats.org/markup-compatibility/2006" xmlns:p14="http://schemas.microsoft.com/office/powerpoint/2010/main">
+    <mc:Choice Requires="p14">
       <p:transition spd="slow" p14:dur="1400">
         <p14:ripple/>
       </p:transition>
     </mc:Choice>
-    <mc:Fallback>
+    <mc:Fallback xmlns="">
       <p:transition spd="slow">
         <p:fade/>
       </p:transition>
@@ -4737,13 +4722,13 @@
   <p:clrMapOvr>
     <a:masterClrMapping/>
   </p:clrMapOvr>
-  <mc:AlternateContent xmlns:mc="http://schemas.openxmlformats.org/markup-compatibility/2006">
-    <mc:Choice xmlns:p14="http://schemas.microsoft.com/office/powerpoint/2010/main" Requires="p14">
+  <mc:AlternateContent xmlns:mc="http://schemas.openxmlformats.org/markup-compatibility/2006" xmlns:p14="http://schemas.microsoft.com/office/powerpoint/2010/main">
+    <mc:Choice Requires="p14">
       <p:transition spd="slow" p14:dur="3900">
         <p14:glitter pattern="hexagon"/>
       </p:transition>
     </mc:Choice>
-    <mc:Fallback>
+    <mc:Fallback xmlns="">
       <p:transition spd="slow">
         <p:fade/>
       </p:transition>
@@ -4866,7 +4851,7 @@
     <a:masterClrMapping/>
   </p:clrMapOvr>
   <mc:AlternateContent xmlns:mc="http://schemas.openxmlformats.org/markup-compatibility/2006">
-    <mc:Choice xmlns:p15="http://schemas.microsoft.com/office/powerpoint/2012/main" Requires="p15">
+    <mc:Choice xmlns:p15="http://schemas.microsoft.com/office/powerpoint/2012/main" xmlns="" Requires="p15">
       <p:transition xmlns:p14="http://schemas.microsoft.com/office/powerpoint/2010/main" spd="slow" p14:dur="2000">
         <p15:prstTrans prst="crush"/>
       </p:transition>
@@ -4957,15 +4942,15 @@
           <a:p>
             <a:r>
               <a:rPr lang="fr-CA" dirty="0" smtClean="0"/>
-              <a:t>Un registre d’</a:t>
-            </a:r>
-            <a:r>
-              <a:rPr lang="fr-CA" dirty="0" err="1" smtClean="0"/>
-              <a:t>addresse</a:t>
-            </a:r>
-            <a:r>
-              <a:rPr lang="fr-CA" dirty="0" smtClean="0"/>
-              <a:t> de 16 bits</a:t>
+              <a:t>Un registre </a:t>
+            </a:r>
+            <a:r>
+              <a:rPr lang="fr-CA" dirty="0" smtClean="0"/>
+              <a:t>d’adresse </a:t>
+            </a:r>
+            <a:r>
+              <a:rPr lang="fr-CA" dirty="0" smtClean="0"/>
+              <a:t>de 16 bits</a:t>
             </a:r>
           </a:p>
           <a:p>
@@ -4973,7 +4958,6 @@
               <a:rPr lang="fr-CA" dirty="0" smtClean="0"/>
               <a:t>Un pointeur d’instruction de 16 bits</a:t>
             </a:r>
-            <a:endParaRPr lang="fr-CA" dirty="0" smtClean="0"/>
           </a:p>
           <a:p>
             <a:r>
@@ -5036,13 +5020,13 @@
   <p:clrMapOvr>
     <a:masterClrMapping/>
   </p:clrMapOvr>
-  <mc:AlternateContent xmlns:mc="http://schemas.openxmlformats.org/markup-compatibility/2006">
-    <mc:Choice xmlns:p14="http://schemas.microsoft.com/office/powerpoint/2010/main" Requires="p14">
+  <mc:AlternateContent xmlns:mc="http://schemas.openxmlformats.org/markup-compatibility/2006" xmlns:p14="http://schemas.microsoft.com/office/powerpoint/2010/main">
+    <mc:Choice Requires="p14">
       <p:transition spd="slow" p14:dur="1250">
         <p14:flip dir="r"/>
       </p:transition>
     </mc:Choice>
-    <mc:Fallback>
+    <mc:Fallback xmlns="">
       <p:transition spd="slow">
         <p:fade/>
       </p:transition>
@@ -5131,11 +5115,7 @@
             <a:pPr lvl="1"/>
             <a:r>
               <a:rPr lang="fr-CA" dirty="0" err="1" smtClean="0"/>
-              <a:t>P</a:t>
-            </a:r>
-            <a:r>
-              <a:rPr lang="fr-CA" dirty="0" err="1" smtClean="0"/>
-              <a:t>aramêtres</a:t>
+              <a:t>Paramêtres</a:t>
             </a:r>
             <a:endParaRPr lang="fr-CA" dirty="0"/>
           </a:p>
